--- a/SSU11755_RNAseqsummary_01212020.pptx
+++ b/SSU11755_RNAseqsummary_01212020.pptx
@@ -19,17 +19,15 @@
     <p:sldId id="287" r:id="rId13"/>
     <p:sldId id="284" r:id="rId14"/>
     <p:sldId id="294" r:id="rId15"/>
-    <p:sldId id="298" r:id="rId16"/>
-    <p:sldId id="299" r:id="rId17"/>
-    <p:sldId id="286" r:id="rId18"/>
-    <p:sldId id="288" r:id="rId19"/>
-    <p:sldId id="296" r:id="rId20"/>
-    <p:sldId id="291" r:id="rId21"/>
-    <p:sldId id="292" r:id="rId22"/>
-    <p:sldId id="297" r:id="rId23"/>
-    <p:sldId id="290" r:id="rId24"/>
-    <p:sldId id="267" r:id="rId25"/>
-    <p:sldId id="274" r:id="rId26"/>
+    <p:sldId id="286" r:id="rId16"/>
+    <p:sldId id="288" r:id="rId17"/>
+    <p:sldId id="298" r:id="rId18"/>
+    <p:sldId id="291" r:id="rId19"/>
+    <p:sldId id="292" r:id="rId20"/>
+    <p:sldId id="299" r:id="rId21"/>
+    <p:sldId id="290" r:id="rId22"/>
+    <p:sldId id="267" r:id="rId23"/>
+    <p:sldId id="274" r:id="rId24"/>
   </p:sldIdLst>
   <p:sldSz cx="12192000" cy="6858000"/>
   <p:notesSz cx="6858000" cy="9144000"/>
@@ -265,7 +263,7 @@
           <a:p>
             <a:fld id="{6B21E9B1-338B-4FB0-9226-2AB6509D5E61}" type="datetimeFigureOut">
               <a:rPr lang="en-US" smtClean="0"/>
-              <a:t>1/21/2020</a:t>
+              <a:t>1/22/2020</a:t>
             </a:fld>
             <a:endParaRPr lang="en-US"/>
           </a:p>
@@ -433,7 +431,7 @@
           <a:p>
             <a:fld id="{6B21E9B1-338B-4FB0-9226-2AB6509D5E61}" type="datetimeFigureOut">
               <a:rPr lang="en-US" smtClean="0"/>
-              <a:t>1/21/2020</a:t>
+              <a:t>1/22/2020</a:t>
             </a:fld>
             <a:endParaRPr lang="en-US"/>
           </a:p>
@@ -611,7 +609,7 @@
           <a:p>
             <a:fld id="{6B21E9B1-338B-4FB0-9226-2AB6509D5E61}" type="datetimeFigureOut">
               <a:rPr lang="en-US" smtClean="0"/>
-              <a:t>1/21/2020</a:t>
+              <a:t>1/22/2020</a:t>
             </a:fld>
             <a:endParaRPr lang="en-US"/>
           </a:p>
@@ -779,7 +777,7 @@
           <a:p>
             <a:fld id="{6B21E9B1-338B-4FB0-9226-2AB6509D5E61}" type="datetimeFigureOut">
               <a:rPr lang="en-US" smtClean="0"/>
-              <a:t>1/21/2020</a:t>
+              <a:t>1/22/2020</a:t>
             </a:fld>
             <a:endParaRPr lang="en-US"/>
           </a:p>
@@ -1024,7 +1022,7 @@
           <a:p>
             <a:fld id="{6B21E9B1-338B-4FB0-9226-2AB6509D5E61}" type="datetimeFigureOut">
               <a:rPr lang="en-US" smtClean="0"/>
-              <a:t>1/21/2020</a:t>
+              <a:t>1/22/2020</a:t>
             </a:fld>
             <a:endParaRPr lang="en-US"/>
           </a:p>
@@ -1253,7 +1251,7 @@
           <a:p>
             <a:fld id="{6B21E9B1-338B-4FB0-9226-2AB6509D5E61}" type="datetimeFigureOut">
               <a:rPr lang="en-US" smtClean="0"/>
-              <a:t>1/21/2020</a:t>
+              <a:t>1/22/2020</a:t>
             </a:fld>
             <a:endParaRPr lang="en-US"/>
           </a:p>
@@ -1617,7 +1615,7 @@
           <a:p>
             <a:fld id="{6B21E9B1-338B-4FB0-9226-2AB6509D5E61}" type="datetimeFigureOut">
               <a:rPr lang="en-US" smtClean="0"/>
-              <a:t>1/21/2020</a:t>
+              <a:t>1/22/2020</a:t>
             </a:fld>
             <a:endParaRPr lang="en-US"/>
           </a:p>
@@ -1734,7 +1732,7 @@
           <a:p>
             <a:fld id="{6B21E9B1-338B-4FB0-9226-2AB6509D5E61}" type="datetimeFigureOut">
               <a:rPr lang="en-US" smtClean="0"/>
-              <a:t>1/21/2020</a:t>
+              <a:t>1/22/2020</a:t>
             </a:fld>
             <a:endParaRPr lang="en-US"/>
           </a:p>
@@ -1829,7 +1827,7 @@
           <a:p>
             <a:fld id="{6B21E9B1-338B-4FB0-9226-2AB6509D5E61}" type="datetimeFigureOut">
               <a:rPr lang="en-US" smtClean="0"/>
-              <a:t>1/21/2020</a:t>
+              <a:t>1/22/2020</a:t>
             </a:fld>
             <a:endParaRPr lang="en-US"/>
           </a:p>
@@ -2104,7 +2102,7 @@
           <a:p>
             <a:fld id="{6B21E9B1-338B-4FB0-9226-2AB6509D5E61}" type="datetimeFigureOut">
               <a:rPr lang="en-US" smtClean="0"/>
-              <a:t>1/21/2020</a:t>
+              <a:t>1/22/2020</a:t>
             </a:fld>
             <a:endParaRPr lang="en-US"/>
           </a:p>
@@ -2356,7 +2354,7 @@
           <a:p>
             <a:fld id="{6B21E9B1-338B-4FB0-9226-2AB6509D5E61}" type="datetimeFigureOut">
               <a:rPr lang="en-US" smtClean="0"/>
-              <a:t>1/21/2020</a:t>
+              <a:t>1/22/2020</a:t>
             </a:fld>
             <a:endParaRPr lang="en-US"/>
           </a:p>
@@ -2567,7 +2565,7 @@
           <a:p>
             <a:fld id="{6B21E9B1-338B-4FB0-9226-2AB6509D5E61}" type="datetimeFigureOut">
               <a:rPr lang="en-US" smtClean="0"/>
-              <a:t>1/21/2020</a:t>
+              <a:t>1/22/2020</a:t>
             </a:fld>
             <a:endParaRPr lang="en-US"/>
           </a:p>
@@ -2990,29 +2988,28 @@
           <a:lstStyle/>
           <a:p>
             <a:r>
-              <a:rPr lang="en-US" sz="4800" dirty="0" err="1" smtClean="0"/>
+              <a:rPr lang="en-US" sz="4800" dirty="0" err="1"/>
               <a:t>Weiping</a:t>
             </a:r>
             <a:r>
-              <a:rPr lang="en-US" sz="4800" dirty="0" smtClean="0"/>
+              <a:rPr lang="en-US" sz="4800" dirty="0"/>
               <a:t> Cao &amp; Samuel </a:t>
             </a:r>
             <a:r>
-              <a:rPr lang="en-US" sz="4800" dirty="0" err="1" smtClean="0"/>
+              <a:rPr lang="en-US" sz="4800" dirty="0" err="1"/>
               <a:t>Amoah</a:t>
             </a:r>
             <a:r>
-              <a:rPr lang="en-US" sz="4800" dirty="0" smtClean="0"/>
+              <a:rPr lang="en-US" sz="4800" dirty="0"/>
               <a:t> </a:t>
             </a:r>
             <a:br>
-              <a:rPr lang="en-US" sz="4800" dirty="0" smtClean="0"/>
+              <a:rPr lang="en-US" sz="4800" dirty="0"/>
             </a:br>
             <a:r>
-              <a:rPr lang="en-US" sz="4800" dirty="0" smtClean="0"/>
+              <a:rPr lang="en-US" sz="4800" dirty="0"/>
               <a:t>RNAseq Study</a:t>
             </a:r>
-            <a:endParaRPr lang="en-US" sz="4800" dirty="0"/>
           </a:p>
         </p:txBody>
       </p:sp>
@@ -3038,26 +3035,13 @@
           <a:p>
             <a:r>
               <a:rPr lang="en-US" dirty="0"/>
-              <a:t>EICC Project ID: </a:t>
-            </a:r>
-            <a:r>
-              <a:rPr lang="en-US" dirty="0" smtClean="0"/>
-              <a:t>SSU11755</a:t>
-            </a:r>
-            <a:endParaRPr lang="en-US" dirty="0"/>
+              <a:t>EICC Project ID: SSU11755</a:t>
+            </a:r>
           </a:p>
           <a:p>
             <a:r>
               <a:rPr lang="en-US" dirty="0"/>
-              <a:t>Prepared </a:t>
-            </a:r>
-            <a:r>
-              <a:rPr lang="en-US" dirty="0" smtClean="0"/>
-              <a:t>by Jessica </a:t>
-            </a:r>
-            <a:r>
-              <a:rPr lang="en-US" dirty="0"/>
-              <a:t>Randall, MPH</a:t>
+              <a:t>Prepared by Jessica Randall, MPH</a:t>
             </a:r>
           </a:p>
         </p:txBody>
@@ -3072,13 +3056,6 @@
   <p:clrMapOvr>
     <a:masterClrMapping/>
   </p:clrMapOvr>
-  <p:timing>
-    <p:tnLst>
-      <p:par>
-        <p:cTn id="1" dur="indefinite" restart="never" nodeType="tmRoot"/>
-      </p:par>
-    </p:tnLst>
-  </p:timing>
 </p:sld>
 </file>
 
@@ -3115,10 +3092,9 @@
           <a:lstStyle/>
           <a:p>
             <a:r>
-              <a:rPr lang="en-US" dirty="0" smtClean="0"/>
+              <a:rPr lang="en-US" dirty="0"/>
               <a:t>Comparison of Library Sizes</a:t>
             </a:r>
-            <a:endParaRPr lang="en-US" dirty="0"/>
           </a:p>
         </p:txBody>
       </p:sp>
@@ -3177,13 +3153,13 @@
               <a:buChar char="•"/>
             </a:pPr>
             <a:r>
-              <a:rPr lang="en-US" sz="2000" dirty="0" smtClean="0"/>
+              <a:rPr lang="en-US" sz="2000" dirty="0"/>
               <a:t>DESeq2’s normalization of library sizes appears to have worked to account for the orders of magnitude differences between sequencing depth</a:t>
             </a:r>
           </a:p>
           <a:p>
             <a:pPr lvl="1"/>
-            <a:endParaRPr lang="en-US" sz="2000" dirty="0" smtClean="0"/>
+            <a:endParaRPr lang="en-US" sz="2000" dirty="0"/>
           </a:p>
           <a:p>
             <a:pPr marL="800100" lvl="1" indent="-342900">
@@ -3191,10 +3167,9 @@
               <a:buChar char="•"/>
             </a:pPr>
             <a:r>
-              <a:rPr lang="en-US" sz="2000" dirty="0" smtClean="0"/>
+              <a:rPr lang="en-US" sz="2000" dirty="0"/>
               <a:t>Those samples with more widely dispersed Cook’s distances (a measure of being an outlier) were not those with extremely high sequencing depths</a:t>
             </a:r>
-            <a:endParaRPr lang="en-US" sz="2000" dirty="0"/>
           </a:p>
         </p:txBody>
       </p:sp>
@@ -3208,13 +3183,6 @@
   <p:clrMapOvr>
     <a:masterClrMapping/>
   </p:clrMapOvr>
-  <p:timing>
-    <p:tnLst>
-      <p:par>
-        <p:cTn id="1" dur="indefinite" restart="never" nodeType="tmRoot"/>
-      </p:par>
-    </p:tnLst>
-  </p:timing>
 </p:sld>
 </file>
 
@@ -3280,22 +3248,17 @@
               <a:buAutoNum type="romanUcPeriod"/>
             </a:pPr>
             <a:r>
-              <a:rPr lang="en-US" sz="3200" dirty="0" smtClean="0"/>
+              <a:rPr lang="en-US" sz="3200" dirty="0"/>
               <a:t>Concentration B vs A</a:t>
             </a:r>
-            <a:endParaRPr lang="en-US" sz="3200" dirty="0"/>
           </a:p>
           <a:p>
             <a:pPr marL="1028700" lvl="1" indent="-571500">
               <a:buAutoNum type="romanUcPeriod"/>
             </a:pPr>
             <a:r>
-              <a:rPr lang="en-US" sz="2800" dirty="0" smtClean="0"/>
-              <a:t>MA </a:t>
-            </a:r>
-            <a:r>
               <a:rPr lang="en-US" sz="2800" dirty="0"/>
-              <a:t>plot</a:t>
+              <a:t>MA plot</a:t>
             </a:r>
           </a:p>
           <a:p>
@@ -3312,22 +3275,17 @@
               <a:buAutoNum type="romanUcPeriod"/>
             </a:pPr>
             <a:r>
-              <a:rPr lang="en-US" sz="3200" dirty="0" smtClean="0"/>
+              <a:rPr lang="en-US" sz="3200" dirty="0"/>
               <a:t>Concentration C vs A</a:t>
             </a:r>
-            <a:endParaRPr lang="en-US" sz="3200" dirty="0"/>
           </a:p>
           <a:p>
             <a:pPr marL="1028700" lvl="1" indent="-571500">
               <a:buAutoNum type="romanUcPeriod"/>
             </a:pPr>
             <a:r>
-              <a:rPr lang="en-US" sz="2800" dirty="0" smtClean="0"/>
-              <a:t>MA </a:t>
-            </a:r>
-            <a:r>
               <a:rPr lang="en-US" sz="2800" dirty="0"/>
-              <a:t>plot</a:t>
+              <a:t>MA plot</a:t>
             </a:r>
           </a:p>
           <a:p>
@@ -3336,13 +3294,8 @@
             </a:pPr>
             <a:r>
               <a:rPr lang="en-US" sz="2800" dirty="0"/>
-              <a:t>Volcano </a:t>
-            </a:r>
-            <a:r>
-              <a:rPr lang="en-US" sz="2800" dirty="0" smtClean="0"/>
-              <a:t>Plot</a:t>
-            </a:r>
-            <a:endParaRPr lang="en-US" sz="2800" dirty="0"/>
+              <a:t>Volcano Plot</a:t>
+            </a:r>
           </a:p>
           <a:p>
             <a:pPr marL="571500" indent="-571500">
@@ -3350,13 +3303,8 @@
             </a:pPr>
             <a:r>
               <a:rPr lang="en-US" sz="3200" dirty="0"/>
-              <a:t>Concentration C vs </a:t>
-            </a:r>
-            <a:r>
-              <a:rPr lang="en-US" sz="3200" dirty="0" smtClean="0"/>
-              <a:t>B</a:t>
-            </a:r>
-            <a:endParaRPr lang="en-US" sz="3200" dirty="0"/>
+              <a:t>Concentration C vs B</a:t>
+            </a:r>
           </a:p>
           <a:p>
             <a:pPr marL="1028700" lvl="1" indent="-571500">
@@ -3380,17 +3328,16 @@
             <a:pPr marL="0" indent="0">
               <a:buNone/>
             </a:pPr>
-            <a:endParaRPr lang="en-US" dirty="0" smtClean="0"/>
+            <a:endParaRPr lang="en-US" dirty="0"/>
           </a:p>
           <a:p>
             <a:pPr marL="0" indent="0">
               <a:buNone/>
             </a:pPr>
             <a:r>
-              <a:rPr lang="en-US" sz="2400" dirty="0" smtClean="0"/>
+              <a:rPr lang="en-US" sz="2400" dirty="0"/>
               <a:t>Note: Other comparison of possible interest may include batch 2 vs batch 1</a:t>
             </a:r>
-            <a:endParaRPr lang="en-US" sz="2400" dirty="0"/>
           </a:p>
         </p:txBody>
       </p:sp>
@@ -3404,13 +3351,6 @@
   <p:clrMapOvr>
     <a:masterClrMapping/>
   </p:clrMapOvr>
-  <p:timing>
-    <p:tnLst>
-      <p:par>
-        <p:cTn id="1" dur="indefinite" restart="never" nodeType="tmRoot"/>
-      </p:par>
-    </p:tnLst>
-  </p:timing>
 </p:sld>
 </file>
 
@@ -3454,10 +3394,9 @@
           <a:lstStyle/>
           <a:p>
             <a:r>
-              <a:rPr lang="en-US" dirty="0" smtClean="0"/>
+              <a:rPr lang="en-US" dirty="0"/>
               <a:t>Concentration B vs A: MA plot</a:t>
             </a:r>
-            <a:endParaRPr lang="en-US" dirty="0"/>
           </a:p>
         </p:txBody>
       </p:sp>
@@ -3494,26 +3433,9 @@
               <a:buChar char="•"/>
             </a:pPr>
             <a:r>
-              <a:rPr lang="en-US" sz="2000" dirty="0" smtClean="0"/>
-              <a:t>1519 </a:t>
-            </a:r>
-            <a:r>
               <a:rPr lang="en-US" sz="2000" dirty="0"/>
-              <a:t>DE </a:t>
-            </a:r>
-            <a:r>
-              <a:rPr lang="en-US" sz="2000" dirty="0" smtClean="0"/>
-              <a:t>genes (</a:t>
-            </a:r>
-            <a:r>
-              <a:rPr lang="en-US" sz="2000" dirty="0"/>
-              <a:t>6</a:t>
-            </a:r>
-            <a:r>
-              <a:rPr lang="en-US" sz="2000" dirty="0" smtClean="0"/>
-              <a:t>%)</a:t>
-            </a:r>
-            <a:endParaRPr lang="en-US" sz="2000" dirty="0"/>
+              <a:t>1519 DE genes (6%)</a:t>
+            </a:r>
           </a:p>
           <a:p>
             <a:pPr marL="742950" lvl="1" indent="-285750">
@@ -3521,12 +3443,8 @@
               <a:buChar char="•"/>
             </a:pPr>
             <a:r>
-              <a:rPr lang="en-US" sz="2000" dirty="0" smtClean="0"/>
-              <a:t>1209 (4.8%) </a:t>
-            </a:r>
-            <a:r>
               <a:rPr lang="en-US" sz="2000" dirty="0"/>
-              <a:t>up regulated</a:t>
+              <a:t>1209 (4.8%) up regulated</a:t>
             </a:r>
           </a:p>
           <a:p>
@@ -3535,20 +3453,8 @@
               <a:buChar char="•"/>
             </a:pPr>
             <a:r>
-              <a:rPr lang="en-US" sz="2000" dirty="0" smtClean="0"/>
-              <a:t>310 </a:t>
-            </a:r>
-            <a:r>
               <a:rPr lang="en-US" sz="2000" dirty="0"/>
-              <a:t>(</a:t>
-            </a:r>
-            <a:r>
-              <a:rPr lang="en-US" sz="2000" dirty="0" smtClean="0"/>
-              <a:t>1.2%)  </a:t>
-            </a:r>
-            <a:r>
-              <a:rPr lang="en-US" sz="2000" dirty="0"/>
-              <a:t>down regulated</a:t>
+              <a:t>310 (1.2%)  down regulated</a:t>
             </a:r>
           </a:p>
           <a:p>
@@ -3557,16 +3463,8 @@
               <a:buChar char="•"/>
             </a:pPr>
             <a:r>
-              <a:rPr lang="en-US" sz="2000" dirty="0" smtClean="0"/>
-              <a:t>16066 (64%) </a:t>
-            </a:r>
-            <a:r>
               <a:rPr lang="en-US" sz="2000" dirty="0"/>
-              <a:t>of genes filtered for mean normalized counts </a:t>
-            </a:r>
-            <a:r>
-              <a:rPr lang="en-US" sz="2000" dirty="0" smtClean="0"/>
-              <a:t>&lt;7</a:t>
+              <a:t>16066 (64%) of genes filtered for mean normalized counts &lt;7</a:t>
             </a:r>
           </a:p>
           <a:p>
@@ -3585,19 +3483,14 @@
               <a:buChar char="•"/>
             </a:pPr>
             <a:r>
-              <a:rPr lang="en-US" sz="2000" dirty="0" smtClean="0"/>
+              <a:rPr lang="en-US" sz="2000" dirty="0"/>
               <a:t>Controlling for batch effects gave us greater power to identify more DE genes at FDR threshold</a:t>
             </a:r>
-            <a:endParaRPr lang="en-US" sz="2000" dirty="0"/>
-          </a:p>
-          <a:p>
-            <a:r>
-              <a:rPr lang="en-US" sz="2000" dirty="0" smtClean="0"/>
-              <a:t>MA </a:t>
-            </a:r>
+          </a:p>
+          <a:p>
             <a:r>
               <a:rPr lang="en-US" sz="2000" dirty="0"/>
-              <a:t>plot</a:t>
+              <a:t>MA plot</a:t>
             </a:r>
           </a:p>
           <a:p>
@@ -3607,13 +3500,8 @@
             </a:pPr>
             <a:r>
               <a:rPr lang="en-US" sz="2000" dirty="0"/>
-              <a:t>Many more up regulated than down regulated </a:t>
-            </a:r>
-            <a:r>
-              <a:rPr lang="en-US" sz="2000" dirty="0" smtClean="0"/>
-              <a:t>genes</a:t>
-            </a:r>
-            <a:endParaRPr lang="en-US" sz="2000" dirty="0"/>
+              <a:t>Many more up regulated than down regulated genes</a:t>
+            </a:r>
           </a:p>
         </p:txBody>
       </p:sp>
@@ -3657,13 +3545,6 @@
   <p:clrMapOvr>
     <a:masterClrMapping/>
   </p:clrMapOvr>
-  <p:timing>
-    <p:tnLst>
-      <p:par>
-        <p:cTn id="1" dur="indefinite" restart="never" nodeType="tmRoot"/>
-      </p:par>
-    </p:tnLst>
-  </p:timing>
 </p:sld>
 </file>
 
@@ -3708,13 +3589,8 @@
           <a:p>
             <a:r>
               <a:rPr lang="en-US" dirty="0"/>
-              <a:t>Concentration B vs A: </a:t>
-            </a:r>
-            <a:r>
-              <a:rPr lang="en-US" dirty="0" smtClean="0"/>
-              <a:t>Volcano plot</a:t>
-            </a:r>
-            <a:endParaRPr lang="en-US" dirty="0"/>
+              <a:t>Concentration B vs A: Volcano plot</a:t>
+            </a:r>
           </a:p>
         </p:txBody>
       </p:sp>
@@ -3743,21 +3619,8 @@
             <a:pPr marL="285750" indent="-285750"/>
             <a:r>
               <a:rPr lang="en-US" sz="1800" dirty="0"/>
-              <a:t>Fold change cut-off was set at </a:t>
-            </a:r>
-            <a:r>
-              <a:rPr lang="en-US" sz="1800" dirty="0" smtClean="0"/>
-              <a:t>1.0</a:t>
-            </a:r>
-            <a:r>
-              <a:rPr lang="en-US" sz="1800" dirty="0"/>
-              <a:t>, FDR was </a:t>
-            </a:r>
-            <a:r>
-              <a:rPr lang="en-US" sz="1800" dirty="0" smtClean="0"/>
-              <a:t>0.01</a:t>
-            </a:r>
-            <a:endParaRPr lang="en-US" sz="1800" dirty="0"/>
+              <a:t>Fold change cut-off was set at 1.0, FDR was 0.01</a:t>
+            </a:r>
           </a:p>
           <a:p>
             <a:pPr marL="285750" indent="-285750"/>
@@ -3769,122 +3632,37 @@
           <a:p>
             <a:pPr marL="742950" lvl="1" indent="-285750"/>
             <a:r>
-              <a:rPr lang="en-US" sz="1800" dirty="0" smtClean="0"/>
-              <a:t>VIM </a:t>
-            </a:r>
-            <a:r>
               <a:rPr lang="en-US" sz="1800" dirty="0"/>
-              <a:t>(</a:t>
-            </a:r>
-            <a:r>
-              <a:rPr lang="en-US" sz="1800" dirty="0" smtClean="0"/>
-              <a:t>LFC: 4.78  </a:t>
-            </a:r>
+              <a:t>VIM (LFC: 4.78  , FDR: 5.03E-74 )</a:t>
+            </a:r>
+          </a:p>
+          <a:p>
+            <a:pPr marL="742950" lvl="1" indent="-285750"/>
             <a:r>
               <a:rPr lang="en-US" sz="1800" dirty="0"/>
-              <a:t>, FDR</a:t>
-            </a:r>
-            <a:r>
-              <a:rPr lang="en-US" sz="1800" dirty="0" smtClean="0"/>
-              <a:t>: 5.03E-74 )</a:t>
-            </a:r>
-            <a:endParaRPr lang="en-US" sz="1800" dirty="0"/>
+              <a:t>CAPG (LFC: 5.59  , FDR: 3.80E-72)</a:t>
+            </a:r>
           </a:p>
           <a:p>
             <a:pPr marL="742950" lvl="1" indent="-285750"/>
             <a:r>
-              <a:rPr lang="en-US" sz="1800" dirty="0" smtClean="0"/>
-              <a:t>CAPG </a:t>
-            </a:r>
-            <a:r>
               <a:rPr lang="en-US" sz="1800" dirty="0"/>
-              <a:t>(LFC: </a:t>
-            </a:r>
-            <a:r>
-              <a:rPr lang="en-US" sz="1800" dirty="0" smtClean="0"/>
-              <a:t>5.59  </a:t>
-            </a:r>
+              <a:t>RUNX2 (LFC: 4.57  , FDR: 2.69E-66)</a:t>
+            </a:r>
+          </a:p>
+          <a:p>
+            <a:pPr marL="742950" lvl="1" indent="-285750"/>
             <a:r>
               <a:rPr lang="en-US" sz="1800" dirty="0"/>
-              <a:t>, FDR: </a:t>
-            </a:r>
-            <a:r>
-              <a:rPr lang="en-US" sz="1800" dirty="0" smtClean="0"/>
-              <a:t>3.80E-72)</a:t>
-            </a:r>
-            <a:endParaRPr lang="en-US" sz="1800" dirty="0"/>
+              <a:t>TOP2A (LFC: 5.71 , FDR: 1.75E-59)</a:t>
+            </a:r>
           </a:p>
           <a:p>
             <a:pPr marL="742950" lvl="1" indent="-285750"/>
             <a:r>
-              <a:rPr lang="en-US" sz="1800" dirty="0" smtClean="0"/>
-              <a:t>RUNX2 </a:t>
-            </a:r>
-            <a:r>
               <a:rPr lang="en-US" sz="1800" dirty="0"/>
-              <a:t>(LFC: </a:t>
-            </a:r>
-            <a:r>
-              <a:rPr lang="en-US" sz="1800" dirty="0" smtClean="0"/>
-              <a:t>4.57  </a:t>
-            </a:r>
-            <a:r>
-              <a:rPr lang="en-US" sz="1800" dirty="0"/>
-              <a:t>, FDR: </a:t>
-            </a:r>
-            <a:r>
-              <a:rPr lang="en-US" sz="1800" dirty="0" smtClean="0"/>
-              <a:t>2.69E-66)</a:t>
-            </a:r>
-            <a:endParaRPr lang="en-US" sz="1800" dirty="0"/>
-          </a:p>
-          <a:p>
-            <a:pPr marL="742950" lvl="1" indent="-285750"/>
-            <a:r>
-              <a:rPr lang="en-US" sz="1800" dirty="0" smtClean="0"/>
-              <a:t>TOP2A </a:t>
-            </a:r>
-            <a:r>
-              <a:rPr lang="en-US" sz="1800" dirty="0"/>
-              <a:t>(LFC: </a:t>
-            </a:r>
-            <a:r>
-              <a:rPr lang="en-US" sz="1800" dirty="0" smtClean="0"/>
-              <a:t>5.71 </a:t>
-            </a:r>
-            <a:r>
-              <a:rPr lang="en-US" sz="1800" dirty="0"/>
-              <a:t>, FDR: </a:t>
-            </a:r>
-            <a:r>
-              <a:rPr lang="en-US" sz="1800" dirty="0" smtClean="0"/>
-              <a:t>1.75E-59)</a:t>
-            </a:r>
-            <a:endParaRPr lang="en-US" sz="1800" dirty="0"/>
-          </a:p>
-          <a:p>
-            <a:pPr marL="742950" lvl="1" indent="-285750"/>
-            <a:r>
-              <a:rPr lang="en-US" sz="1800" dirty="0" smtClean="0"/>
-              <a:t>SRGAP3 </a:t>
-            </a:r>
-            <a:r>
-              <a:rPr lang="en-US" sz="1800" dirty="0"/>
-              <a:t>(LFC: </a:t>
-            </a:r>
-            <a:r>
-              <a:rPr lang="en-US" sz="1800" dirty="0" smtClean="0"/>
-              <a:t>4.24, </a:t>
-            </a:r>
-            <a:r>
-              <a:rPr lang="en-US" sz="1800" dirty="0"/>
-              <a:t>FDR: </a:t>
-            </a:r>
-            <a:r>
-              <a:rPr lang="en-US" sz="1800" dirty="0" smtClean="0"/>
-              <a:t>1.46E-52) </a:t>
-            </a:r>
-            <a:endParaRPr lang="en-US" sz="1800" dirty="0"/>
+              <a:t>SRGAP3 (LFC: 4.24, FDR: 1.46E-52) </a:t>
+            </a:r>
           </a:p>
           <a:p>
             <a:pPr lvl="1"/>
@@ -3894,15 +3672,7 @@
             <a:pPr marL="285750" indent="-285750"/>
             <a:r>
               <a:rPr lang="en-US" sz="1800" dirty="0"/>
-              <a:t>All of these genes also have low </a:t>
-            </a:r>
-            <a:r>
-              <a:rPr lang="en-US" sz="1800" dirty="0" smtClean="0"/>
-              <a:t>s-values/local FDRs </a:t>
-            </a:r>
-            <a:r>
-              <a:rPr lang="en-US" sz="1800" dirty="0"/>
-              <a:t>indicating that they are very unlikely to be false-positive findings</a:t>
+              <a:t>All of these genes also have low s-values/local FDRs indicating that they are very unlikely to be false-positive findings</a:t>
             </a:r>
           </a:p>
           <a:p>
@@ -3950,13 +3720,6 @@
   <p:clrMapOvr>
     <a:masterClrMapping/>
   </p:clrMapOvr>
-  <p:timing>
-    <p:tnLst>
-      <p:par>
-        <p:cTn id="1" dur="indefinite" restart="never" nodeType="tmRoot"/>
-      </p:par>
-    </p:tnLst>
-  </p:timing>
 </p:sld>
 </file>
 
@@ -3993,10 +3756,9 @@
           <a:lstStyle/>
           <a:p>
             <a:r>
-              <a:rPr lang="en-US" dirty="0" smtClean="0"/>
+              <a:rPr lang="en-US" dirty="0"/>
               <a:t>B vs A: Heat map</a:t>
             </a:r>
-            <a:endParaRPr lang="en-US" dirty="0"/>
           </a:p>
         </p:txBody>
       </p:sp>
@@ -4057,15 +3819,7 @@
             </a:r>
             <a:r>
               <a:rPr lang="en-US" sz="1600" dirty="0"/>
-              <a:t> transformed counts closer to </a:t>
-            </a:r>
-            <a:r>
-              <a:rPr lang="en-US" sz="1600" dirty="0" smtClean="0"/>
-              <a:t>16 </a:t>
-            </a:r>
-            <a:r>
-              <a:rPr lang="en-US" sz="1600" dirty="0"/>
-              <a:t>and blue indicates </a:t>
+              <a:t> transformed counts closer to 16 and blue indicates </a:t>
             </a:r>
             <a:r>
               <a:rPr lang="en-US" sz="1600" dirty="0" err="1"/>
@@ -4073,15 +3827,7 @@
             </a:r>
             <a:r>
               <a:rPr lang="en-US" sz="1600" dirty="0"/>
-              <a:t> transformed counts </a:t>
-            </a:r>
-            <a:r>
-              <a:rPr lang="en-US" sz="1600" dirty="0" smtClean="0"/>
-              <a:t>closer </a:t>
-            </a:r>
-            <a:r>
-              <a:rPr lang="en-US" sz="1600" dirty="0"/>
-              <a:t>to 8</a:t>
+              <a:t> transformed counts closer to 8</a:t>
             </a:r>
           </a:p>
           <a:p>
@@ -4111,13 +3857,8 @@
             </a:pPr>
             <a:r>
               <a:rPr lang="en-US" sz="1600" dirty="0"/>
-              <a:t>Samples are grouped by </a:t>
-            </a:r>
-            <a:r>
-              <a:rPr lang="en-US" sz="1600" dirty="0" smtClean="0"/>
-              <a:t>concentration and it is evident that the two viral concentrations are more similar to each other than they are to the naïve concentration</a:t>
-            </a:r>
-            <a:endParaRPr lang="en-US" sz="1600" dirty="0"/>
+              <a:t>Samples are grouped by concentration and it is evident that the two viral concentrations are more similar to each other than they are to the naïve concentration</a:t>
+            </a:r>
           </a:p>
         </p:txBody>
       </p:sp>
@@ -4191,6 +3932,379 @@
             <p:ph type="title"/>
           </p:nvPr>
         </p:nvSpPr>
+        <p:spPr>
+          <a:xfrm>
+            <a:off x="107175" y="239976"/>
+            <a:ext cx="7967565" cy="723207"/>
+          </a:xfrm>
+        </p:spPr>
+        <p:txBody>
+          <a:bodyPr>
+            <a:noAutofit/>
+          </a:bodyPr>
+          <a:lstStyle/>
+          <a:p>
+            <a:r>
+              <a:rPr lang="en-US" dirty="0"/>
+              <a:t>Concentration C vs A: MA plot</a:t>
+            </a:r>
+          </a:p>
+        </p:txBody>
+      </p:sp>
+      <p:sp>
+        <p:nvSpPr>
+          <p:cNvPr id="7" name="Content Placeholder 6"/>
+          <p:cNvSpPr>
+            <a:spLocks noGrp="1"/>
+          </p:cNvSpPr>
+          <p:nvPr>
+            <p:ph type="body" sz="half" idx="2"/>
+          </p:nvPr>
+        </p:nvSpPr>
+        <p:spPr>
+          <a:xfrm>
+            <a:off x="839788" y="1212154"/>
+            <a:ext cx="4862512" cy="5140519"/>
+          </a:xfrm>
+        </p:spPr>
+        <p:txBody>
+          <a:bodyPr>
+            <a:noAutofit/>
+          </a:bodyPr>
+          <a:lstStyle/>
+          <a:p>
+            <a:r>
+              <a:rPr lang="en-US" sz="2000" dirty="0"/>
+              <a:t>Results FDR &lt;0.01</a:t>
+            </a:r>
+          </a:p>
+          <a:p>
+            <a:pPr marL="742950" lvl="1" indent="-285750">
+              <a:buFont typeface="Arial" panose="020B0604020202020204" pitchFamily="34" charset="0"/>
+              <a:buChar char="•"/>
+            </a:pPr>
+            <a:r>
+              <a:rPr lang="en-US" sz="2000" dirty="0"/>
+              <a:t>1446 DE genes (5.7%)</a:t>
+            </a:r>
+          </a:p>
+          <a:p>
+            <a:pPr marL="742950" lvl="1" indent="-285750">
+              <a:buFont typeface="Arial" panose="020B0604020202020204" pitchFamily="34" charset="0"/>
+              <a:buChar char="•"/>
+            </a:pPr>
+            <a:r>
+              <a:rPr lang="en-US" sz="2000" dirty="0"/>
+              <a:t>1116 (4.4%) up regulated</a:t>
+            </a:r>
+          </a:p>
+          <a:p>
+            <a:pPr marL="742950" lvl="1" indent="-285750">
+              <a:buFont typeface="Arial" panose="020B0604020202020204" pitchFamily="34" charset="0"/>
+              <a:buChar char="•"/>
+            </a:pPr>
+            <a:r>
+              <a:rPr lang="en-US" sz="2000" dirty="0"/>
+              <a:t>330 (1.3%)  down regulated</a:t>
+            </a:r>
+          </a:p>
+          <a:p>
+            <a:pPr marL="742950" lvl="1" indent="-285750">
+              <a:buFont typeface="Arial" panose="020B0604020202020204" pitchFamily="34" charset="0"/>
+              <a:buChar char="•"/>
+            </a:pPr>
+            <a:r>
+              <a:rPr lang="en-US" sz="2000" dirty="0"/>
+              <a:t>16066 (64%) of genes filtered for mean normalized counts &lt;7</a:t>
+            </a:r>
+          </a:p>
+          <a:p>
+            <a:pPr marL="742950" lvl="1" indent="-285750">
+              <a:buFont typeface="Arial" panose="020B0604020202020204" pitchFamily="34" charset="0"/>
+              <a:buChar char="•"/>
+            </a:pPr>
+            <a:r>
+              <a:rPr lang="en-US" sz="2000" dirty="0"/>
+              <a:t>As compared to previous run of analyses, more DE genes were identified but the member genes of top 20 DE genes stayed approximately the same</a:t>
+            </a:r>
+          </a:p>
+          <a:p>
+            <a:pPr marL="742950" lvl="1" indent="-285750">
+              <a:buFont typeface="Arial" panose="020B0604020202020204" pitchFamily="34" charset="0"/>
+              <a:buChar char="•"/>
+            </a:pPr>
+            <a:r>
+              <a:rPr lang="en-US" sz="2000" dirty="0"/>
+              <a:t>Controlling for batch effects gave us greater power to identify more DE genes at FDR threshold</a:t>
+            </a:r>
+          </a:p>
+          <a:p>
+            <a:r>
+              <a:rPr lang="en-US" sz="2000" dirty="0"/>
+              <a:t>MA plot</a:t>
+            </a:r>
+          </a:p>
+          <a:p>
+            <a:pPr marL="742950" lvl="1" indent="-285750">
+              <a:buFont typeface="Arial" panose="020B0604020202020204" pitchFamily="34" charset="0"/>
+              <a:buChar char="•"/>
+            </a:pPr>
+            <a:r>
+              <a:rPr lang="en-US" sz="2000" dirty="0"/>
+              <a:t>Many more up regulated than down regulated genes</a:t>
+            </a:r>
+          </a:p>
+          <a:p>
+            <a:pPr lvl="1"/>
+            <a:endParaRPr lang="en-US" sz="2000" dirty="0"/>
+          </a:p>
+        </p:txBody>
+      </p:sp>
+      <p:pic>
+        <p:nvPicPr>
+          <p:cNvPr id="6" name="Picture 5"/>
+          <p:cNvPicPr>
+            <a:picLocks noChangeAspect="1"/>
+          </p:cNvPicPr>
+          <p:nvPr/>
+        </p:nvPicPr>
+        <p:blipFill>
+          <a:blip r:embed="rId2">
+            <a:extLst>
+              <a:ext uri="{28A0092B-C50C-407E-A947-70E740481C1C}">
+                <a14:useLocalDpi xmlns:a14="http://schemas.microsoft.com/office/drawing/2010/main" val="0"/>
+              </a:ext>
+            </a:extLst>
+          </a:blip>
+          <a:stretch>
+            <a:fillRect/>
+          </a:stretch>
+        </p:blipFill>
+        <p:spPr>
+          <a:xfrm>
+            <a:off x="7104807" y="1378362"/>
+            <a:ext cx="4808102" cy="4808102"/>
+          </a:xfrm>
+          <a:prstGeom prst="rect">
+            <a:avLst/>
+          </a:prstGeom>
+        </p:spPr>
+      </p:pic>
+    </p:spTree>
+    <p:extLst>
+      <p:ext uri="{BB962C8B-B14F-4D97-AF65-F5344CB8AC3E}">
+        <p14:creationId xmlns:p14="http://schemas.microsoft.com/office/powerpoint/2010/main" val="1292384139"/>
+      </p:ext>
+    </p:extLst>
+  </p:cSld>
+  <p:clrMapOvr>
+    <a:masterClrMapping/>
+  </p:clrMapOvr>
+</p:sld>
+</file>
+
+<file path=ppt/slides/slide16.xml><?xml version="1.0" encoding="utf-8"?>
+<p:sld xmlns:a="http://schemas.openxmlformats.org/drawingml/2006/main" xmlns:r="http://schemas.openxmlformats.org/officeDocument/2006/relationships" xmlns:p="http://schemas.openxmlformats.org/presentationml/2006/main">
+  <p:cSld>
+    <p:spTree>
+      <p:nvGrpSpPr>
+        <p:cNvPr id="1" name=""/>
+        <p:cNvGrpSpPr/>
+        <p:nvPr/>
+      </p:nvGrpSpPr>
+      <p:grpSpPr>
+        <a:xfrm>
+          <a:off x="0" y="0"/>
+          <a:ext cx="0" cy="0"/>
+          <a:chOff x="0" y="0"/>
+          <a:chExt cx="0" cy="0"/>
+        </a:xfrm>
+      </p:grpSpPr>
+      <p:sp>
+        <p:nvSpPr>
+          <p:cNvPr id="2" name="Title 1"/>
+          <p:cNvSpPr>
+            <a:spLocks noGrp="1"/>
+          </p:cNvSpPr>
+          <p:nvPr>
+            <p:ph type="title"/>
+          </p:nvPr>
+        </p:nvSpPr>
+        <p:spPr>
+          <a:xfrm>
+            <a:off x="268288" y="622300"/>
+            <a:ext cx="5713412" cy="571500"/>
+          </a:xfrm>
+        </p:spPr>
+        <p:txBody>
+          <a:bodyPr>
+            <a:normAutofit fontScale="90000"/>
+          </a:bodyPr>
+          <a:lstStyle/>
+          <a:p>
+            <a:r>
+              <a:rPr lang="en-US" dirty="0"/>
+              <a:t>Concentration C vs A: Volcano plot</a:t>
+            </a:r>
+          </a:p>
+        </p:txBody>
+      </p:sp>
+      <p:sp>
+        <p:nvSpPr>
+          <p:cNvPr id="4" name="Text Placeholder 3"/>
+          <p:cNvSpPr>
+            <a:spLocks noGrp="1"/>
+          </p:cNvSpPr>
+          <p:nvPr>
+            <p:ph type="body" sz="half" idx="2"/>
+          </p:nvPr>
+        </p:nvSpPr>
+        <p:spPr>
+          <a:xfrm>
+            <a:off x="1158875" y="1928018"/>
+            <a:ext cx="3932237" cy="3811588"/>
+          </a:xfrm>
+        </p:spPr>
+        <p:txBody>
+          <a:bodyPr>
+            <a:normAutofit lnSpcReduction="10000"/>
+          </a:bodyPr>
+          <a:lstStyle/>
+          <a:p>
+            <a:pPr marL="285750" indent="-285750"/>
+            <a:r>
+              <a:rPr lang="en-US" sz="1800" dirty="0"/>
+              <a:t>Fold change cut-off was set at 1.0, FDR was 0.01</a:t>
+            </a:r>
+          </a:p>
+          <a:p>
+            <a:pPr marL="285750" indent="-285750"/>
+            <a:r>
+              <a:rPr lang="en-US" sz="1800" dirty="0"/>
+              <a:t>Top 5 DE genes were as follows:</a:t>
+            </a:r>
+          </a:p>
+          <a:p>
+            <a:pPr marL="742950" lvl="1" indent="-285750"/>
+            <a:r>
+              <a:rPr lang="en-US" sz="1800" dirty="0"/>
+              <a:t>SRGAP (LFC: 4.797  , FDR: 8.57E-67)</a:t>
+            </a:r>
+          </a:p>
+          <a:p>
+            <a:pPr marL="742950" lvl="1" indent="-285750"/>
+            <a:r>
+              <a:rPr lang="en-US" sz="1800" dirty="0"/>
+              <a:t>ALCAM (LFC: 5.09  , FDR: 1.05E-61)</a:t>
+            </a:r>
+          </a:p>
+          <a:p>
+            <a:pPr marL="742950" lvl="1" indent="-285750"/>
+            <a:r>
+              <a:rPr lang="en-US" sz="1800" dirty="0"/>
+              <a:t>RUNX2 (LFC: 4.41  , FDR: 1.46E-61)</a:t>
+            </a:r>
+          </a:p>
+          <a:p>
+            <a:pPr marL="742950" lvl="1" indent="-285750"/>
+            <a:r>
+              <a:rPr lang="en-US" sz="1800" dirty="0"/>
+              <a:t>SPRY2 (LFC: 6.11 , FDR:6.61E-55)</a:t>
+            </a:r>
+          </a:p>
+          <a:p>
+            <a:pPr marL="742950" lvl="1" indent="-285750"/>
+            <a:r>
+              <a:rPr lang="en-US" sz="1800" dirty="0"/>
+              <a:t>AHNAK (LFC: 5.31, FDR: 1.51E-53) </a:t>
+            </a:r>
+          </a:p>
+          <a:p>
+            <a:pPr lvl="1"/>
+            <a:endParaRPr lang="en-US" sz="1800" dirty="0"/>
+          </a:p>
+          <a:p>
+            <a:pPr marL="285750" indent="-285750"/>
+            <a:r>
+              <a:rPr lang="en-US" sz="1800" dirty="0"/>
+              <a:t>All of these genes also have low s-values/local FDRs indicating that they are very unlikely to be false-positive findings</a:t>
+            </a:r>
+          </a:p>
+          <a:p>
+            <a:endParaRPr lang="en-US" dirty="0"/>
+          </a:p>
+        </p:txBody>
+      </p:sp>
+      <p:pic>
+        <p:nvPicPr>
+          <p:cNvPr id="3" name="Picture 2"/>
+          <p:cNvPicPr>
+            <a:picLocks noChangeAspect="1"/>
+          </p:cNvPicPr>
+          <p:nvPr/>
+        </p:nvPicPr>
+        <p:blipFill>
+          <a:blip r:embed="rId2">
+            <a:extLst>
+              <a:ext uri="{28A0092B-C50C-407E-A947-70E740481C1C}">
+                <a14:useLocalDpi xmlns:a14="http://schemas.microsoft.com/office/drawing/2010/main" val="0"/>
+              </a:ext>
+            </a:extLst>
+          </a:blip>
+          <a:stretch>
+            <a:fillRect/>
+          </a:stretch>
+        </p:blipFill>
+        <p:spPr>
+          <a:xfrm>
+            <a:off x="5286966" y="976312"/>
+            <a:ext cx="6667500" cy="5715000"/>
+          </a:xfrm>
+          <a:prstGeom prst="rect">
+            <a:avLst/>
+          </a:prstGeom>
+        </p:spPr>
+      </p:pic>
+    </p:spTree>
+    <p:extLst>
+      <p:ext uri="{BB962C8B-B14F-4D97-AF65-F5344CB8AC3E}">
+        <p14:creationId xmlns:p14="http://schemas.microsoft.com/office/powerpoint/2010/main" val="3631167490"/>
+      </p:ext>
+    </p:extLst>
+  </p:cSld>
+  <p:clrMapOvr>
+    <a:masterClrMapping/>
+  </p:clrMapOvr>
+</p:sld>
+</file>
+
+<file path=ppt/slides/slide17.xml><?xml version="1.0" encoding="utf-8"?>
+<p:sld xmlns:a="http://schemas.openxmlformats.org/drawingml/2006/main" xmlns:r="http://schemas.openxmlformats.org/officeDocument/2006/relationships" xmlns:p="http://schemas.openxmlformats.org/presentationml/2006/main">
+  <p:cSld>
+    <p:spTree>
+      <p:nvGrpSpPr>
+        <p:cNvPr id="1" name=""/>
+        <p:cNvGrpSpPr/>
+        <p:nvPr/>
+      </p:nvGrpSpPr>
+      <p:grpSpPr>
+        <a:xfrm>
+          <a:off x="0" y="0"/>
+          <a:ext cx="0" cy="0"/>
+          <a:chOff x="0" y="0"/>
+          <a:chExt cx="0" cy="0"/>
+        </a:xfrm>
+      </p:grpSpPr>
+      <p:sp>
+        <p:nvSpPr>
+          <p:cNvPr id="2" name="Title 1"/>
+          <p:cNvSpPr>
+            <a:spLocks noGrp="1"/>
+          </p:cNvSpPr>
+          <p:nvPr>
+            <p:ph type="title"/>
+          </p:nvPr>
+        </p:nvSpPr>
         <p:spPr/>
         <p:txBody>
           <a:bodyPr/>
@@ -4198,17 +4312,8 @@
           <a:p>
             <a:r>
               <a:rPr lang="en-US" dirty="0"/>
-              <a:t>C</a:t>
-            </a:r>
-            <a:r>
-              <a:rPr lang="en-US" dirty="0" smtClean="0"/>
-              <a:t> </a:t>
-            </a:r>
-            <a:r>
-              <a:rPr lang="en-US" dirty="0" smtClean="0"/>
-              <a:t>vs A: Heat map</a:t>
-            </a:r>
-            <a:endParaRPr lang="en-US" dirty="0"/>
+              <a:t>C vs A: Heat map</a:t>
+            </a:r>
           </a:p>
         </p:txBody>
       </p:sp>
@@ -4309,7 +4414,6 @@
               <a:rPr lang="en-US" dirty="0"/>
               <a:t>Samples are grouped by concentration and it is evident that the two viral concentrations are more similar to each other than they are to the naïve concentration</a:t>
             </a:r>
-            <a:endParaRPr lang="en-US" dirty="0"/>
           </a:p>
         </p:txBody>
       </p:sp>
@@ -4356,7 +4460,7 @@
 </p:sld>
 </file>
 
-<file path=ppt/slides/slide16.xml><?xml version="1.0" encoding="utf-8"?>
+<file path=ppt/slides/slide18.xml><?xml version="1.0" encoding="utf-8"?>
 <p:sld xmlns:a="http://schemas.openxmlformats.org/drawingml/2006/main" xmlns:r="http://schemas.openxmlformats.org/officeDocument/2006/relationships" xmlns:p="http://schemas.openxmlformats.org/presentationml/2006/main">
   <p:cSld>
     <p:spTree>
@@ -4383,32 +4487,656 @@
             <p:ph type="title"/>
           </p:nvPr>
         </p:nvSpPr>
+        <p:spPr>
+          <a:xfrm>
+            <a:off x="107175" y="239976"/>
+            <a:ext cx="7967565" cy="723207"/>
+          </a:xfrm>
+        </p:spPr>
+        <p:txBody>
+          <a:bodyPr>
+            <a:noAutofit/>
+          </a:bodyPr>
+          <a:lstStyle/>
+          <a:p>
+            <a:r>
+              <a:rPr lang="en-US" dirty="0"/>
+              <a:t>Concentration C vs B: MA plot</a:t>
+            </a:r>
+          </a:p>
+        </p:txBody>
+      </p:sp>
+      <p:sp>
+        <p:nvSpPr>
+          <p:cNvPr id="7" name="Content Placeholder 6"/>
+          <p:cNvSpPr>
+            <a:spLocks noGrp="1"/>
+          </p:cNvSpPr>
+          <p:nvPr>
+            <p:ph type="body" sz="half" idx="2"/>
+          </p:nvPr>
+        </p:nvSpPr>
+        <p:spPr>
+          <a:xfrm>
+            <a:off x="811589" y="963183"/>
+            <a:ext cx="4095147" cy="6304883"/>
+          </a:xfrm>
+        </p:spPr>
+        <p:txBody>
+          <a:bodyPr>
+            <a:noAutofit/>
+          </a:bodyPr>
+          <a:lstStyle/>
+          <a:p>
+            <a:r>
+              <a:rPr lang="en-US" sz="2000" dirty="0"/>
+              <a:t>Results FDR &lt;0.01 </a:t>
+            </a:r>
+          </a:p>
+          <a:p>
+            <a:pPr marL="342900" indent="-342900">
+              <a:buFont typeface="Arial" panose="020B0604020202020204" pitchFamily="34" charset="0"/>
+              <a:buChar char="•"/>
+            </a:pPr>
+            <a:r>
+              <a:rPr lang="en-US" sz="2000" dirty="0"/>
+              <a:t>67 DE genes (0.48%)</a:t>
+            </a:r>
+          </a:p>
+          <a:p>
+            <a:pPr marL="342900" indent="-342900">
+              <a:buFont typeface="Arial" panose="020B0604020202020204" pitchFamily="34" charset="0"/>
+              <a:buChar char="•"/>
+            </a:pPr>
+            <a:r>
+              <a:rPr lang="en-US" sz="2000" dirty="0"/>
+              <a:t>37 (0.289%) up regulated</a:t>
+            </a:r>
+          </a:p>
+          <a:p>
+            <a:pPr marL="342900" indent="-342900">
+              <a:buFont typeface="Arial" panose="020B0604020202020204" pitchFamily="34" charset="0"/>
+              <a:buChar char="•"/>
+            </a:pPr>
+            <a:r>
+              <a:rPr lang="en-US" sz="2000"/>
+              <a:t>30  </a:t>
+            </a:r>
+            <a:r>
+              <a:rPr lang="en-US" sz="2000" dirty="0"/>
+              <a:t>(0.194%)  down regulated</a:t>
+            </a:r>
+          </a:p>
+          <a:p>
+            <a:pPr marL="342900" indent="-342900">
+              <a:buFont typeface="Arial" panose="020B0604020202020204" pitchFamily="34" charset="0"/>
+              <a:buChar char="•"/>
+            </a:pPr>
+            <a:r>
+              <a:rPr lang="en-US" sz="2000" dirty="0"/>
+              <a:t>15579 (62%) of genes filtered </a:t>
+            </a:r>
+            <a:r>
+              <a:rPr lang="en-US" sz="1800" dirty="0"/>
+              <a:t>for mean normalized counts &lt;6</a:t>
+            </a:r>
+          </a:p>
+          <a:p>
+            <a:pPr marL="342900" lvl="1" indent="-342900">
+              <a:spcBef>
+                <a:spcPts val="1000"/>
+              </a:spcBef>
+              <a:buFont typeface="Arial" panose="020B0604020202020204" pitchFamily="34" charset="0"/>
+              <a:buChar char="•"/>
+            </a:pPr>
+            <a:r>
+              <a:rPr lang="en-US" sz="2000" dirty="0"/>
+              <a:t>Controlling for batch effects gave us greater power to correctly reject genes which were truly not differentiated between these concentrations at FDR threshold</a:t>
+            </a:r>
+          </a:p>
+          <a:p>
+            <a:pPr marL="0" lvl="1">
+              <a:spcBef>
+                <a:spcPts val="1000"/>
+              </a:spcBef>
+            </a:pPr>
+            <a:r>
+              <a:rPr lang="en-US" sz="2000" dirty="0"/>
+              <a:t>MA plot (pre-threshold)</a:t>
+            </a:r>
+          </a:p>
+          <a:p>
+            <a:pPr marL="742950" lvl="1" indent="-285750">
+              <a:buFont typeface="Arial" panose="020B0604020202020204" pitchFamily="34" charset="0"/>
+              <a:buChar char="•"/>
+            </a:pPr>
+            <a:r>
+              <a:rPr lang="en-US" sz="2000" dirty="0"/>
+              <a:t>Many more up regulated than down regulated genes</a:t>
+            </a:r>
+          </a:p>
+          <a:p>
+            <a:pPr marL="742950" lvl="1" indent="-285750">
+              <a:buFont typeface="Arial" panose="020B0604020202020204" pitchFamily="34" charset="0"/>
+              <a:buChar char="•"/>
+            </a:pPr>
+            <a:r>
+              <a:rPr lang="en-US" sz="2000" dirty="0"/>
+              <a:t>Many were around zero and cluster on the line so are impossible to see.</a:t>
+            </a:r>
+          </a:p>
+        </p:txBody>
+      </p:sp>
+      <p:pic>
+        <p:nvPicPr>
+          <p:cNvPr id="4" name="Picture 3"/>
+          <p:cNvPicPr>
+            <a:picLocks noChangeAspect="1"/>
+          </p:cNvPicPr>
+          <p:nvPr/>
+        </p:nvPicPr>
+        <p:blipFill>
+          <a:blip r:embed="rId2">
+            <a:extLst>
+              <a:ext uri="{28A0092B-C50C-407E-A947-70E740481C1C}">
+                <a14:useLocalDpi xmlns:a14="http://schemas.microsoft.com/office/drawing/2010/main" val="0"/>
+              </a:ext>
+            </a:extLst>
+          </a:blip>
+          <a:stretch>
+            <a:fillRect/>
+          </a:stretch>
+        </p:blipFill>
+        <p:spPr>
+          <a:xfrm>
+            <a:off x="5874818" y="513171"/>
+            <a:ext cx="6078551" cy="6078551"/>
+          </a:xfrm>
+          <a:prstGeom prst="rect">
+            <a:avLst/>
+          </a:prstGeom>
+        </p:spPr>
+      </p:pic>
+    </p:spTree>
+    <p:extLst>
+      <p:ext uri="{BB962C8B-B14F-4D97-AF65-F5344CB8AC3E}">
+        <p14:creationId xmlns:p14="http://schemas.microsoft.com/office/powerpoint/2010/main" val="2940971593"/>
+      </p:ext>
+    </p:extLst>
+  </p:cSld>
+  <p:clrMapOvr>
+    <a:masterClrMapping/>
+  </p:clrMapOvr>
+</p:sld>
+</file>
+
+<file path=ppt/slides/slide19.xml><?xml version="1.0" encoding="utf-8"?>
+<p:sld xmlns:a="http://schemas.openxmlformats.org/drawingml/2006/main" xmlns:r="http://schemas.openxmlformats.org/officeDocument/2006/relationships" xmlns:p="http://schemas.openxmlformats.org/presentationml/2006/main">
+  <p:cSld>
+    <p:spTree>
+      <p:nvGrpSpPr>
+        <p:cNvPr id="1" name=""/>
+        <p:cNvGrpSpPr/>
+        <p:nvPr/>
+      </p:nvGrpSpPr>
+      <p:grpSpPr>
+        <a:xfrm>
+          <a:off x="0" y="0"/>
+          <a:ext cx="0" cy="0"/>
+          <a:chOff x="0" y="0"/>
+          <a:chExt cx="0" cy="0"/>
+        </a:xfrm>
+      </p:grpSpPr>
+      <p:sp>
+        <p:nvSpPr>
+          <p:cNvPr id="2" name="Title 1"/>
+          <p:cNvSpPr>
+            <a:spLocks noGrp="1"/>
+          </p:cNvSpPr>
+          <p:nvPr>
+            <p:ph type="title"/>
+          </p:nvPr>
+        </p:nvSpPr>
+        <p:spPr>
+          <a:xfrm>
+            <a:off x="268288" y="622300"/>
+            <a:ext cx="5713412" cy="571500"/>
+          </a:xfrm>
+        </p:spPr>
+        <p:txBody>
+          <a:bodyPr>
+            <a:normAutofit fontScale="90000"/>
+          </a:bodyPr>
+          <a:lstStyle/>
+          <a:p>
+            <a:r>
+              <a:rPr lang="en-US" dirty="0"/>
+              <a:t>Concentration C vs B: Volcano plot</a:t>
+            </a:r>
+          </a:p>
+        </p:txBody>
+      </p:sp>
+      <p:sp>
+        <p:nvSpPr>
+          <p:cNvPr id="4" name="Text Placeholder 3"/>
+          <p:cNvSpPr>
+            <a:spLocks noGrp="1"/>
+          </p:cNvSpPr>
+          <p:nvPr>
+            <p:ph type="body" sz="half" idx="2"/>
+          </p:nvPr>
+        </p:nvSpPr>
+        <p:spPr>
+          <a:xfrm>
+            <a:off x="854906" y="1493125"/>
+            <a:ext cx="4540176" cy="4494047"/>
+          </a:xfrm>
+        </p:spPr>
+        <p:txBody>
+          <a:bodyPr>
+            <a:normAutofit/>
+          </a:bodyPr>
+          <a:lstStyle/>
+          <a:p>
+            <a:pPr marL="285750" indent="-285750"/>
+            <a:r>
+              <a:rPr lang="en-US" sz="1800" dirty="0"/>
+              <a:t>Fold change cut-off was set at 1.0, FDR was 0.01</a:t>
+            </a:r>
+          </a:p>
+          <a:p>
+            <a:pPr marL="285750" indent="-285750">
+              <a:buFont typeface="Arial" panose="020B0604020202020204" pitchFamily="34" charset="0"/>
+              <a:buChar char="•"/>
+            </a:pPr>
+            <a:r>
+              <a:rPr lang="en-US" sz="1800" dirty="0"/>
+              <a:t>Top 5 DE genes were as follows:</a:t>
+            </a:r>
+          </a:p>
+          <a:p>
+            <a:pPr marL="1200150" lvl="2" indent="-285750"/>
+            <a:r>
+              <a:rPr lang="en-US" sz="1600" dirty="0"/>
+              <a:t>ACT2 (LFC:-3.34, FDR: 6.77E-13)</a:t>
+            </a:r>
+          </a:p>
+          <a:p>
+            <a:pPr marL="1200150" lvl="2" indent="-285750"/>
+            <a:r>
+              <a:rPr lang="en-US" sz="1600" dirty="0"/>
+              <a:t>KIF11(LFC: -2.61, FDR: 2.63E-08)</a:t>
+            </a:r>
+          </a:p>
+          <a:p>
+            <a:pPr marL="1200150" lvl="2" indent="-285750"/>
+            <a:r>
+              <a:rPr lang="en-US" sz="1600" dirty="0"/>
+              <a:t>APH1A (LFC: 2.70, FDR: 4.76E-08)</a:t>
+            </a:r>
+          </a:p>
+          <a:p>
+            <a:pPr marL="1200150" lvl="2" indent="-285750"/>
+            <a:r>
+              <a:rPr lang="en-US" sz="1600" dirty="0"/>
+              <a:t>ATP2B2(LFC: 3.52, FDR: 4.76E-08)</a:t>
+            </a:r>
+          </a:p>
+          <a:p>
+            <a:pPr marL="1200150" lvl="2" indent="-285750"/>
+            <a:r>
+              <a:rPr lang="en-US" sz="1600" dirty="0"/>
+              <a:t>E2F3(LFC: -2.32, FDR: 4.76E-08)</a:t>
+            </a:r>
+          </a:p>
+          <a:p>
+            <a:pPr marL="285750" indent="-285750">
+              <a:buFont typeface="Arial" panose="020B0604020202020204" pitchFamily="34" charset="0"/>
+              <a:buChar char="•"/>
+            </a:pPr>
+            <a:r>
+              <a:rPr lang="en-US" sz="1800" dirty="0"/>
+              <a:t>Note that the x axis is ~ 1/4 of previous Volcano plots suggesting much smaller differences in LFC between groups</a:t>
+            </a:r>
+          </a:p>
+          <a:p>
+            <a:endParaRPr lang="en-US" dirty="0"/>
+          </a:p>
+        </p:txBody>
+      </p:sp>
+      <p:pic>
+        <p:nvPicPr>
+          <p:cNvPr id="3" name="Picture 2"/>
+          <p:cNvPicPr>
+            <a:picLocks noChangeAspect="1"/>
+          </p:cNvPicPr>
+          <p:nvPr/>
+        </p:nvPicPr>
+        <p:blipFill>
+          <a:blip r:embed="rId2">
+            <a:extLst>
+              <a:ext uri="{28A0092B-C50C-407E-A947-70E740481C1C}">
+                <a14:useLocalDpi xmlns:a14="http://schemas.microsoft.com/office/drawing/2010/main" val="0"/>
+              </a:ext>
+            </a:extLst>
+          </a:blip>
+          <a:stretch>
+            <a:fillRect/>
+          </a:stretch>
+        </p:blipFill>
+        <p:spPr>
+          <a:xfrm>
+            <a:off x="5338438" y="1143000"/>
+            <a:ext cx="6667500" cy="5715000"/>
+          </a:xfrm>
+          <a:prstGeom prst="rect">
+            <a:avLst/>
+          </a:prstGeom>
+        </p:spPr>
+      </p:pic>
+    </p:spTree>
+    <p:extLst>
+      <p:ext uri="{BB962C8B-B14F-4D97-AF65-F5344CB8AC3E}">
+        <p14:creationId xmlns:p14="http://schemas.microsoft.com/office/powerpoint/2010/main" val="3684976897"/>
+      </p:ext>
+    </p:extLst>
+  </p:cSld>
+  <p:clrMapOvr>
+    <a:masterClrMapping/>
+  </p:clrMapOvr>
+</p:sld>
+</file>
+
+<file path=ppt/slides/slide2.xml><?xml version="1.0" encoding="utf-8"?>
+<p:sld xmlns:a="http://schemas.openxmlformats.org/drawingml/2006/main" xmlns:r="http://schemas.openxmlformats.org/officeDocument/2006/relationships" xmlns:p="http://schemas.openxmlformats.org/presentationml/2006/main">
+  <p:cSld>
+    <p:spTree>
+      <p:nvGrpSpPr>
+        <p:cNvPr id="1" name=""/>
+        <p:cNvGrpSpPr/>
+        <p:nvPr/>
+      </p:nvGrpSpPr>
+      <p:grpSpPr>
+        <a:xfrm>
+          <a:off x="0" y="0"/>
+          <a:ext cx="0" cy="0"/>
+          <a:chOff x="0" y="0"/>
+          <a:chExt cx="0" cy="0"/>
+        </a:xfrm>
+      </p:grpSpPr>
+      <p:sp>
+        <p:nvSpPr>
+          <p:cNvPr id="2" name="Title 1">
+            <a:extLst>
+              <a:ext uri="{FF2B5EF4-FFF2-40B4-BE49-F238E27FC236}">
+                <a16:creationId xmlns:a16="http://schemas.microsoft.com/office/drawing/2014/main" id="{3A2D132A-48CD-CA44-9040-8CD5E5DD4DEB}"/>
+              </a:ext>
+            </a:extLst>
+          </p:cNvPr>
+          <p:cNvSpPr>
+            <a:spLocks noGrp="1"/>
+          </p:cNvSpPr>
+          <p:nvPr>
+            <p:ph type="title"/>
+          </p:nvPr>
+        </p:nvSpPr>
         <p:spPr/>
         <p:txBody>
           <a:bodyPr/>
           <a:lstStyle/>
           <a:p>
             <a:r>
+              <a:rPr lang="en-US" dirty="0" err="1"/>
+              <a:t>RNASeq</a:t>
+            </a:r>
+            <a:r>
               <a:rPr lang="en-US" dirty="0"/>
-              <a:t>C</a:t>
-            </a:r>
-            <a:r>
-              <a:rPr lang="en-US" dirty="0" smtClean="0"/>
-              <a:t> </a:t>
-            </a:r>
-            <a:r>
-              <a:rPr lang="en-US" dirty="0" smtClean="0"/>
-              <a:t>vs </a:t>
-            </a:r>
-            <a:r>
-              <a:rPr lang="en-US" dirty="0" smtClean="0"/>
-              <a:t>B: </a:t>
-            </a:r>
-            <a:r>
-              <a:rPr lang="en-US" dirty="0" smtClean="0"/>
-              <a:t>Heat map</a:t>
+              <a:t> Analysis Workflow</a:t>
+            </a:r>
+          </a:p>
+        </p:txBody>
+      </p:sp>
+      <p:sp>
+        <p:nvSpPr>
+          <p:cNvPr id="3" name="Content Placeholder 2">
+            <a:extLst>
+              <a:ext uri="{FF2B5EF4-FFF2-40B4-BE49-F238E27FC236}">
+                <a16:creationId xmlns:a16="http://schemas.microsoft.com/office/drawing/2014/main" id="{BC867114-6E4A-F345-9EBB-6E085C92DE33}"/>
+              </a:ext>
+            </a:extLst>
+          </p:cNvPr>
+          <p:cNvSpPr>
+            <a:spLocks noGrp="1"/>
+          </p:cNvSpPr>
+          <p:nvPr>
+            <p:ph idx="1"/>
+          </p:nvPr>
+        </p:nvSpPr>
+        <p:spPr/>
+        <p:txBody>
+          <a:bodyPr>
+            <a:normAutofit fontScale="92500" lnSpcReduction="20000"/>
+          </a:bodyPr>
+          <a:lstStyle/>
+          <a:p>
+            <a:pPr marL="571500" indent="-571500">
+              <a:buFont typeface="+mj-lt"/>
+              <a:buAutoNum type="romanUcPeriod"/>
+            </a:pPr>
+            <a:r>
+              <a:rPr lang="en-US" dirty="0"/>
+              <a:t>QC at .</a:t>
+            </a:r>
+            <a:r>
+              <a:rPr lang="en-US" dirty="0" err="1"/>
+              <a:t>fastq</a:t>
+            </a:r>
+            <a:r>
+              <a:rPr lang="en-US" dirty="0"/>
+              <a:t> stage</a:t>
+            </a:r>
+          </a:p>
+          <a:p>
+            <a:pPr marL="1028700" lvl="1" indent="-571500">
+              <a:buFont typeface="+mj-lt"/>
+              <a:buAutoNum type="romanUcPeriod"/>
+            </a:pPr>
+            <a:r>
+              <a:rPr lang="en-US" dirty="0" err="1"/>
+              <a:t>FastQC</a:t>
+            </a:r>
+            <a:r>
+              <a:rPr lang="en-US" dirty="0"/>
+              <a:t> , </a:t>
+            </a:r>
+            <a:r>
+              <a:rPr lang="en-US" dirty="0" err="1"/>
+              <a:t>Fastq</a:t>
+            </a:r>
+            <a:r>
+              <a:rPr lang="en-US" dirty="0"/>
+              <a:t>-Screen, </a:t>
+            </a:r>
+            <a:r>
+              <a:rPr lang="en-US" dirty="0" err="1"/>
+              <a:t>MultiQC</a:t>
+            </a:r>
+            <a:r>
+              <a:rPr lang="en-US" dirty="0"/>
+              <a:t>, &amp; </a:t>
+            </a:r>
+            <a:r>
+              <a:rPr lang="en-US" dirty="0" err="1"/>
+              <a:t>Trimmomatic</a:t>
+            </a:r>
+            <a:r>
+              <a:rPr lang="en-US" dirty="0"/>
+              <a:t> if necessary</a:t>
+            </a:r>
+          </a:p>
+          <a:p>
+            <a:pPr marL="571500" indent="-571500">
+              <a:buFont typeface="+mj-lt"/>
+              <a:buAutoNum type="romanUcPeriod"/>
+            </a:pPr>
+            <a:r>
+              <a:rPr lang="en-US" dirty="0"/>
+              <a:t>Alignment to reference genome </a:t>
+            </a:r>
+          </a:p>
+          <a:p>
+            <a:pPr marL="1028700" lvl="1" indent="-571500">
+              <a:buFont typeface="+mj-lt"/>
+              <a:buAutoNum type="romanUcPeriod"/>
+            </a:pPr>
+            <a:r>
+              <a:rPr lang="en-US" dirty="0"/>
+              <a:t>STAR – mm10 genome for </a:t>
+            </a:r>
+            <a:r>
+              <a:rPr lang="en-US" i="1" dirty="0"/>
+              <a:t>M. musculus</a:t>
+            </a:r>
+            <a:r>
+              <a:rPr lang="en-US" dirty="0"/>
+              <a:t>, UCSC</a:t>
+            </a:r>
+          </a:p>
+          <a:p>
+            <a:pPr marL="1028700" lvl="1" indent="-571500">
+              <a:buFont typeface="+mj-lt"/>
+              <a:buAutoNum type="romanUcPeriod"/>
+            </a:pPr>
+            <a:r>
+              <a:rPr lang="en-US" dirty="0"/>
+              <a:t>Sort and index .bam files</a:t>
+            </a:r>
+          </a:p>
+          <a:p>
+            <a:pPr marL="571500" indent="-571500">
+              <a:buFont typeface="+mj-lt"/>
+              <a:buAutoNum type="romanUcPeriod"/>
+            </a:pPr>
+            <a:r>
+              <a:rPr lang="en-US" dirty="0"/>
+              <a:t>Generation of raw counts from alignment .bam files</a:t>
+            </a:r>
+          </a:p>
+          <a:p>
+            <a:pPr marL="1028700" lvl="1" indent="-571500">
+              <a:buFont typeface="+mj-lt"/>
+              <a:buAutoNum type="romanUcPeriod"/>
+            </a:pPr>
+            <a:r>
+              <a:rPr lang="en-US" dirty="0" err="1"/>
+              <a:t>HTSeq</a:t>
             </a:r>
             <a:endParaRPr lang="en-US" dirty="0"/>
+          </a:p>
+          <a:p>
+            <a:pPr marL="571500" indent="-571500">
+              <a:buFont typeface="+mj-lt"/>
+              <a:buAutoNum type="romanUcPeriod"/>
+            </a:pPr>
+            <a:r>
+              <a:rPr lang="en-US" dirty="0"/>
+              <a:t>Differential Expression Analysis</a:t>
+            </a:r>
+          </a:p>
+          <a:p>
+            <a:pPr marL="1028700" lvl="1" indent="-571500">
+              <a:buFont typeface="+mj-lt"/>
+              <a:buAutoNum type="romanUcPeriod"/>
+            </a:pPr>
+            <a:r>
+              <a:rPr lang="en-US" dirty="0"/>
+              <a:t>DESeq2</a:t>
+            </a:r>
+          </a:p>
+          <a:p>
+            <a:pPr marL="571500" indent="-571500">
+              <a:buFont typeface="+mj-lt"/>
+              <a:buAutoNum type="romanUcPeriod"/>
+            </a:pPr>
+            <a:r>
+              <a:rPr lang="en-US" dirty="0"/>
+              <a:t>Pathway Analysis (KEGG)</a:t>
+            </a:r>
+          </a:p>
+          <a:p>
+            <a:pPr marL="0" indent="0">
+              <a:buNone/>
+            </a:pPr>
+            <a:r>
+              <a:rPr lang="en-US" dirty="0"/>
+              <a:t>Notes: Please see our </a:t>
+            </a:r>
+            <a:r>
+              <a:rPr lang="en-US" dirty="0" err="1"/>
+              <a:t>RNASeq</a:t>
+            </a:r>
+            <a:r>
+              <a:rPr lang="en-US" dirty="0"/>
+              <a:t> (bulk) analysis page in our Methods section for a publication-friendly write-up of our workflow</a:t>
+            </a:r>
+          </a:p>
+          <a:p>
+            <a:pPr marL="0" indent="0">
+              <a:buNone/>
+            </a:pPr>
+            <a:endParaRPr lang="en-US" dirty="0"/>
+          </a:p>
+        </p:txBody>
+      </p:sp>
+    </p:spTree>
+    <p:extLst>
+      <p:ext uri="{BB962C8B-B14F-4D97-AF65-F5344CB8AC3E}">
+        <p14:creationId xmlns:p14="http://schemas.microsoft.com/office/powerpoint/2010/main" val="3979204288"/>
+      </p:ext>
+    </p:extLst>
+  </p:cSld>
+  <p:clrMapOvr>
+    <a:masterClrMapping/>
+  </p:clrMapOvr>
+</p:sld>
+</file>
+
+<file path=ppt/slides/slide20.xml><?xml version="1.0" encoding="utf-8"?>
+<p:sld xmlns:a="http://schemas.openxmlformats.org/drawingml/2006/main" xmlns:r="http://schemas.openxmlformats.org/officeDocument/2006/relationships" xmlns:p="http://schemas.openxmlformats.org/presentationml/2006/main">
+  <p:cSld>
+    <p:spTree>
+      <p:nvGrpSpPr>
+        <p:cNvPr id="1" name=""/>
+        <p:cNvGrpSpPr/>
+        <p:nvPr/>
+      </p:nvGrpSpPr>
+      <p:grpSpPr>
+        <a:xfrm>
+          <a:off x="0" y="0"/>
+          <a:ext cx="0" cy="0"/>
+          <a:chOff x="0" y="0"/>
+          <a:chExt cx="0" cy="0"/>
+        </a:xfrm>
+      </p:grpSpPr>
+      <p:sp>
+        <p:nvSpPr>
+          <p:cNvPr id="2" name="Title 1"/>
+          <p:cNvSpPr>
+            <a:spLocks noGrp="1"/>
+          </p:cNvSpPr>
+          <p:nvPr>
+            <p:ph type="title"/>
+          </p:nvPr>
+        </p:nvSpPr>
+        <p:spPr/>
+        <p:txBody>
+          <a:bodyPr/>
+          <a:lstStyle/>
+          <a:p>
+            <a:r>
+              <a:rPr lang="en-US" dirty="0"/>
+              <a:t>C vs B: Heat map</a:t>
+            </a:r>
           </a:p>
         </p:txBody>
       </p:sp>
@@ -4469,15 +5197,7 @@
             </a:r>
             <a:r>
               <a:rPr lang="en-US" dirty="0"/>
-              <a:t> transformed counts closer to </a:t>
-            </a:r>
-            <a:r>
-              <a:rPr lang="en-US" dirty="0" smtClean="0"/>
-              <a:t>11 </a:t>
-            </a:r>
-            <a:r>
-              <a:rPr lang="en-US" dirty="0"/>
-              <a:t>and blue indicates </a:t>
+              <a:t> transformed counts closer to 11 and blue indicates </a:t>
             </a:r>
             <a:r>
               <a:rPr lang="en-US" dirty="0" err="1"/>
@@ -4515,13 +5235,8 @@
             </a:pPr>
             <a:r>
               <a:rPr lang="en-US" dirty="0"/>
-              <a:t>Samples are grouped by concentration and it is evident that the two viral concentrations are more similar to each other than they are to the naïve </a:t>
-            </a:r>
-            <a:r>
-              <a:rPr lang="en-US" dirty="0" smtClean="0"/>
-              <a:t>concentration</a:t>
-            </a:r>
-            <a:endParaRPr lang="en-US" dirty="0"/>
+              <a:t>Samples are grouped by concentration and it is evident that the two viral concentrations are more similar to each other than they are to the naïve concentration</a:t>
+            </a:r>
           </a:p>
         </p:txBody>
       </p:sp>
@@ -4568,1229 +5283,6 @@
 </p:sld>
 </file>
 
-<file path=ppt/slides/slide17.xml><?xml version="1.0" encoding="utf-8"?>
-<p:sld xmlns:a="http://schemas.openxmlformats.org/drawingml/2006/main" xmlns:r="http://schemas.openxmlformats.org/officeDocument/2006/relationships" xmlns:p="http://schemas.openxmlformats.org/presentationml/2006/main">
-  <p:cSld>
-    <p:spTree>
-      <p:nvGrpSpPr>
-        <p:cNvPr id="1" name=""/>
-        <p:cNvGrpSpPr/>
-        <p:nvPr/>
-      </p:nvGrpSpPr>
-      <p:grpSpPr>
-        <a:xfrm>
-          <a:off x="0" y="0"/>
-          <a:ext cx="0" cy="0"/>
-          <a:chOff x="0" y="0"/>
-          <a:chExt cx="0" cy="0"/>
-        </a:xfrm>
-      </p:grpSpPr>
-      <p:sp>
-        <p:nvSpPr>
-          <p:cNvPr id="2" name="Title 1"/>
-          <p:cNvSpPr>
-            <a:spLocks noGrp="1"/>
-          </p:cNvSpPr>
-          <p:nvPr>
-            <p:ph type="title"/>
-          </p:nvPr>
-        </p:nvSpPr>
-        <p:spPr>
-          <a:xfrm>
-            <a:off x="107175" y="239976"/>
-            <a:ext cx="7967565" cy="723207"/>
-          </a:xfrm>
-        </p:spPr>
-        <p:txBody>
-          <a:bodyPr>
-            <a:noAutofit/>
-          </a:bodyPr>
-          <a:lstStyle/>
-          <a:p>
-            <a:r>
-              <a:rPr lang="en-US" dirty="0" smtClean="0"/>
-              <a:t>Concentration C vs A: MA plot</a:t>
-            </a:r>
-            <a:endParaRPr lang="en-US" dirty="0"/>
-          </a:p>
-        </p:txBody>
-      </p:sp>
-      <p:sp>
-        <p:nvSpPr>
-          <p:cNvPr id="7" name="Content Placeholder 6"/>
-          <p:cNvSpPr>
-            <a:spLocks noGrp="1"/>
-          </p:cNvSpPr>
-          <p:nvPr>
-            <p:ph type="body" sz="half" idx="2"/>
-          </p:nvPr>
-        </p:nvSpPr>
-        <p:spPr>
-          <a:xfrm>
-            <a:off x="839788" y="1212154"/>
-            <a:ext cx="4862512" cy="5140519"/>
-          </a:xfrm>
-        </p:spPr>
-        <p:txBody>
-          <a:bodyPr>
-            <a:noAutofit/>
-          </a:bodyPr>
-          <a:lstStyle/>
-          <a:p>
-            <a:r>
-              <a:rPr lang="en-US" sz="2000" dirty="0"/>
-              <a:t>Results FDR &lt;0.01</a:t>
-            </a:r>
-          </a:p>
-          <a:p>
-            <a:pPr marL="742950" lvl="1" indent="-285750">
-              <a:buFont typeface="Arial" panose="020B0604020202020204" pitchFamily="34" charset="0"/>
-              <a:buChar char="•"/>
-            </a:pPr>
-            <a:r>
-              <a:rPr lang="en-US" sz="2000" dirty="0" smtClean="0"/>
-              <a:t>1446 </a:t>
-            </a:r>
-            <a:r>
-              <a:rPr lang="en-US" sz="2000" dirty="0"/>
-              <a:t>DE </a:t>
-            </a:r>
-            <a:r>
-              <a:rPr lang="en-US" sz="2000" dirty="0" smtClean="0"/>
-              <a:t>genes (5.7%)</a:t>
-            </a:r>
-            <a:endParaRPr lang="en-US" sz="2000" dirty="0"/>
-          </a:p>
-          <a:p>
-            <a:pPr marL="742950" lvl="1" indent="-285750">
-              <a:buFont typeface="Arial" panose="020B0604020202020204" pitchFamily="34" charset="0"/>
-              <a:buChar char="•"/>
-            </a:pPr>
-            <a:r>
-              <a:rPr lang="en-US" sz="2000" dirty="0" smtClean="0"/>
-              <a:t>1116 (4.4%) </a:t>
-            </a:r>
-            <a:r>
-              <a:rPr lang="en-US" sz="2000" dirty="0"/>
-              <a:t>up regulated</a:t>
-            </a:r>
-          </a:p>
-          <a:p>
-            <a:pPr marL="742950" lvl="1" indent="-285750">
-              <a:buFont typeface="Arial" panose="020B0604020202020204" pitchFamily="34" charset="0"/>
-              <a:buChar char="•"/>
-            </a:pPr>
-            <a:r>
-              <a:rPr lang="en-US" sz="2000" dirty="0" smtClean="0"/>
-              <a:t>330 </a:t>
-            </a:r>
-            <a:r>
-              <a:rPr lang="en-US" sz="2000" dirty="0"/>
-              <a:t>(</a:t>
-            </a:r>
-            <a:r>
-              <a:rPr lang="en-US" sz="2000" dirty="0" smtClean="0"/>
-              <a:t>1.3%)  </a:t>
-            </a:r>
-            <a:r>
-              <a:rPr lang="en-US" sz="2000" dirty="0"/>
-              <a:t>down regulated</a:t>
-            </a:r>
-          </a:p>
-          <a:p>
-            <a:pPr marL="742950" lvl="1" indent="-285750">
-              <a:buFont typeface="Arial" panose="020B0604020202020204" pitchFamily="34" charset="0"/>
-              <a:buChar char="•"/>
-            </a:pPr>
-            <a:r>
-              <a:rPr lang="en-US" sz="2000" dirty="0" smtClean="0"/>
-              <a:t>16066 (64%) </a:t>
-            </a:r>
-            <a:r>
-              <a:rPr lang="en-US" sz="2000" dirty="0"/>
-              <a:t>of genes filtered for mean normalized counts </a:t>
-            </a:r>
-            <a:r>
-              <a:rPr lang="en-US" sz="2000" dirty="0" smtClean="0"/>
-              <a:t>&lt;7</a:t>
-            </a:r>
-            <a:endParaRPr lang="en-US" sz="2000" dirty="0"/>
-          </a:p>
-          <a:p>
-            <a:pPr marL="742950" lvl="1" indent="-285750">
-              <a:buFont typeface="Arial" panose="020B0604020202020204" pitchFamily="34" charset="0"/>
-              <a:buChar char="•"/>
-            </a:pPr>
-            <a:r>
-              <a:rPr lang="en-US" sz="2000" dirty="0" smtClean="0"/>
-              <a:t>As compared to previous run of analyses, more DE genes were identified but the member genes of top 20 DE genes stayed approximately the same</a:t>
-            </a:r>
-          </a:p>
-          <a:p>
-            <a:pPr marL="742950" lvl="1" indent="-285750">
-              <a:buFont typeface="Arial" panose="020B0604020202020204" pitchFamily="34" charset="0"/>
-              <a:buChar char="•"/>
-            </a:pPr>
-            <a:r>
-              <a:rPr lang="en-US" sz="2000" dirty="0"/>
-              <a:t>Controlling for batch effects gave us greater power to identify more DE genes at FDR </a:t>
-            </a:r>
-            <a:r>
-              <a:rPr lang="en-US" sz="2000" dirty="0" smtClean="0"/>
-              <a:t>threshold</a:t>
-            </a:r>
-            <a:endParaRPr lang="en-US" sz="2000" dirty="0"/>
-          </a:p>
-          <a:p>
-            <a:r>
-              <a:rPr lang="en-US" sz="2000" dirty="0" smtClean="0"/>
-              <a:t>MA </a:t>
-            </a:r>
-            <a:r>
-              <a:rPr lang="en-US" sz="2000" dirty="0"/>
-              <a:t>plot</a:t>
-            </a:r>
-          </a:p>
-          <a:p>
-            <a:pPr marL="742950" lvl="1" indent="-285750">
-              <a:buFont typeface="Arial" panose="020B0604020202020204" pitchFamily="34" charset="0"/>
-              <a:buChar char="•"/>
-            </a:pPr>
-            <a:r>
-              <a:rPr lang="en-US" sz="2000" dirty="0"/>
-              <a:t>Many more up regulated than down regulated genes</a:t>
-            </a:r>
-          </a:p>
-          <a:p>
-            <a:pPr lvl="1"/>
-            <a:endParaRPr lang="en-US" sz="2000" dirty="0"/>
-          </a:p>
-        </p:txBody>
-      </p:sp>
-      <p:pic>
-        <p:nvPicPr>
-          <p:cNvPr id="6" name="Picture 5"/>
-          <p:cNvPicPr>
-            <a:picLocks noChangeAspect="1"/>
-          </p:cNvPicPr>
-          <p:nvPr/>
-        </p:nvPicPr>
-        <p:blipFill>
-          <a:blip r:embed="rId2">
-            <a:extLst>
-              <a:ext uri="{28A0092B-C50C-407E-A947-70E740481C1C}">
-                <a14:useLocalDpi xmlns:a14="http://schemas.microsoft.com/office/drawing/2010/main" val="0"/>
-              </a:ext>
-            </a:extLst>
-          </a:blip>
-          <a:stretch>
-            <a:fillRect/>
-          </a:stretch>
-        </p:blipFill>
-        <p:spPr>
-          <a:xfrm>
-            <a:off x="7104807" y="1378362"/>
-            <a:ext cx="4808102" cy="4808102"/>
-          </a:xfrm>
-          <a:prstGeom prst="rect">
-            <a:avLst/>
-          </a:prstGeom>
-        </p:spPr>
-      </p:pic>
-    </p:spTree>
-    <p:extLst>
-      <p:ext uri="{BB962C8B-B14F-4D97-AF65-F5344CB8AC3E}">
-        <p14:creationId xmlns:p14="http://schemas.microsoft.com/office/powerpoint/2010/main" val="1292384139"/>
-      </p:ext>
-    </p:extLst>
-  </p:cSld>
-  <p:clrMapOvr>
-    <a:masterClrMapping/>
-  </p:clrMapOvr>
-  <p:timing>
-    <p:tnLst>
-      <p:par>
-        <p:cTn id="1" dur="indefinite" restart="never" nodeType="tmRoot"/>
-      </p:par>
-    </p:tnLst>
-  </p:timing>
-</p:sld>
-</file>
-
-<file path=ppt/slides/slide18.xml><?xml version="1.0" encoding="utf-8"?>
-<p:sld xmlns:a="http://schemas.openxmlformats.org/drawingml/2006/main" xmlns:r="http://schemas.openxmlformats.org/officeDocument/2006/relationships" xmlns:p="http://schemas.openxmlformats.org/presentationml/2006/main">
-  <p:cSld>
-    <p:spTree>
-      <p:nvGrpSpPr>
-        <p:cNvPr id="1" name=""/>
-        <p:cNvGrpSpPr/>
-        <p:nvPr/>
-      </p:nvGrpSpPr>
-      <p:grpSpPr>
-        <a:xfrm>
-          <a:off x="0" y="0"/>
-          <a:ext cx="0" cy="0"/>
-          <a:chOff x="0" y="0"/>
-          <a:chExt cx="0" cy="0"/>
-        </a:xfrm>
-      </p:grpSpPr>
-      <p:sp>
-        <p:nvSpPr>
-          <p:cNvPr id="2" name="Title 1"/>
-          <p:cNvSpPr>
-            <a:spLocks noGrp="1"/>
-          </p:cNvSpPr>
-          <p:nvPr>
-            <p:ph type="title"/>
-          </p:nvPr>
-        </p:nvSpPr>
-        <p:spPr>
-          <a:xfrm>
-            <a:off x="268288" y="622300"/>
-            <a:ext cx="5713412" cy="571500"/>
-          </a:xfrm>
-        </p:spPr>
-        <p:txBody>
-          <a:bodyPr>
-            <a:normAutofit fontScale="90000"/>
-          </a:bodyPr>
-          <a:lstStyle/>
-          <a:p>
-            <a:r>
-              <a:rPr lang="en-US" dirty="0"/>
-              <a:t>Concentration </a:t>
-            </a:r>
-            <a:r>
-              <a:rPr lang="en-US" dirty="0" smtClean="0"/>
-              <a:t>C </a:t>
-            </a:r>
-            <a:r>
-              <a:rPr lang="en-US" dirty="0"/>
-              <a:t>vs A: </a:t>
-            </a:r>
-            <a:r>
-              <a:rPr lang="en-US" dirty="0" smtClean="0"/>
-              <a:t>Volcano plot</a:t>
-            </a:r>
-            <a:endParaRPr lang="en-US" dirty="0"/>
-          </a:p>
-        </p:txBody>
-      </p:sp>
-      <p:sp>
-        <p:nvSpPr>
-          <p:cNvPr id="4" name="Text Placeholder 3"/>
-          <p:cNvSpPr>
-            <a:spLocks noGrp="1"/>
-          </p:cNvSpPr>
-          <p:nvPr>
-            <p:ph type="body" sz="half" idx="2"/>
-          </p:nvPr>
-        </p:nvSpPr>
-        <p:spPr>
-          <a:xfrm>
-            <a:off x="1158875" y="1928018"/>
-            <a:ext cx="3932237" cy="3811588"/>
-          </a:xfrm>
-        </p:spPr>
-        <p:txBody>
-          <a:bodyPr>
-            <a:normAutofit lnSpcReduction="10000"/>
-          </a:bodyPr>
-          <a:lstStyle/>
-          <a:p>
-            <a:pPr marL="285750" indent="-285750"/>
-            <a:r>
-              <a:rPr lang="en-US" sz="1800" dirty="0"/>
-              <a:t>Fold change cut-off was set at 1.0, FDR was 0.01</a:t>
-            </a:r>
-          </a:p>
-          <a:p>
-            <a:pPr marL="285750" indent="-285750"/>
-            <a:r>
-              <a:rPr lang="en-US" sz="1800" dirty="0"/>
-              <a:t>Top 5 DE genes were as follows:</a:t>
-            </a:r>
-          </a:p>
-          <a:p>
-            <a:pPr marL="742950" lvl="1" indent="-285750"/>
-            <a:r>
-              <a:rPr lang="en-US" sz="1800" dirty="0" smtClean="0"/>
-              <a:t>SRGAP </a:t>
-            </a:r>
-            <a:r>
-              <a:rPr lang="en-US" sz="1800" dirty="0"/>
-              <a:t>(</a:t>
-            </a:r>
-            <a:r>
-              <a:rPr lang="en-US" sz="1800" dirty="0" smtClean="0"/>
-              <a:t>LFC: 4.797  </a:t>
-            </a:r>
-            <a:r>
-              <a:rPr lang="en-US" sz="1800" dirty="0"/>
-              <a:t>, FDR: </a:t>
-            </a:r>
-            <a:r>
-              <a:rPr lang="en-US" sz="1800" dirty="0" smtClean="0"/>
-              <a:t>8.57E-67)</a:t>
-            </a:r>
-            <a:endParaRPr lang="en-US" sz="1800" dirty="0"/>
-          </a:p>
-          <a:p>
-            <a:pPr marL="742950" lvl="1" indent="-285750"/>
-            <a:r>
-              <a:rPr lang="en-US" sz="1800" dirty="0" smtClean="0"/>
-              <a:t>ALCAM </a:t>
-            </a:r>
-            <a:r>
-              <a:rPr lang="en-US" sz="1800" dirty="0"/>
-              <a:t>(LFC: </a:t>
-            </a:r>
-            <a:r>
-              <a:rPr lang="en-US" sz="1800" dirty="0" smtClean="0"/>
-              <a:t>5.09  </a:t>
-            </a:r>
-            <a:r>
-              <a:rPr lang="en-US" sz="1800" dirty="0"/>
-              <a:t>, FDR</a:t>
-            </a:r>
-            <a:r>
-              <a:rPr lang="en-US" sz="1800" dirty="0" smtClean="0"/>
-              <a:t>: 1.05E-61)</a:t>
-            </a:r>
-            <a:endParaRPr lang="en-US" sz="1800" dirty="0"/>
-          </a:p>
-          <a:p>
-            <a:pPr marL="742950" lvl="1" indent="-285750"/>
-            <a:r>
-              <a:rPr lang="en-US" sz="1800" dirty="0" smtClean="0"/>
-              <a:t>RUNX2 </a:t>
-            </a:r>
-            <a:r>
-              <a:rPr lang="en-US" sz="1800" dirty="0"/>
-              <a:t>(LFC: </a:t>
-            </a:r>
-            <a:r>
-              <a:rPr lang="en-US" sz="1800" dirty="0" smtClean="0"/>
-              <a:t>4.41  </a:t>
-            </a:r>
-            <a:r>
-              <a:rPr lang="en-US" sz="1800" dirty="0"/>
-              <a:t>, FDR: </a:t>
-            </a:r>
-            <a:r>
-              <a:rPr lang="en-US" sz="1800" dirty="0" smtClean="0"/>
-              <a:t>1.46E-61)</a:t>
-            </a:r>
-            <a:endParaRPr lang="en-US" sz="1800" dirty="0"/>
-          </a:p>
-          <a:p>
-            <a:pPr marL="742950" lvl="1" indent="-285750"/>
-            <a:r>
-              <a:rPr lang="en-US" sz="1800" dirty="0" smtClean="0"/>
-              <a:t>SPRY2 </a:t>
-            </a:r>
-            <a:r>
-              <a:rPr lang="en-US" sz="1800" dirty="0"/>
-              <a:t>(LFC: </a:t>
-            </a:r>
-            <a:r>
-              <a:rPr lang="en-US" sz="1800" dirty="0" smtClean="0"/>
-              <a:t>6.11 </a:t>
-            </a:r>
-            <a:r>
-              <a:rPr lang="en-US" sz="1800" dirty="0"/>
-              <a:t>, </a:t>
-            </a:r>
-            <a:r>
-              <a:rPr lang="en-US" sz="1800" dirty="0" smtClean="0"/>
-              <a:t>FDR:6.61E-55)</a:t>
-            </a:r>
-            <a:endParaRPr lang="en-US" sz="1800" dirty="0"/>
-          </a:p>
-          <a:p>
-            <a:pPr marL="742950" lvl="1" indent="-285750"/>
-            <a:r>
-              <a:rPr lang="en-US" sz="1800" dirty="0" smtClean="0"/>
-              <a:t>AHNAK </a:t>
-            </a:r>
-            <a:r>
-              <a:rPr lang="en-US" sz="1800" dirty="0"/>
-              <a:t>(LFC: </a:t>
-            </a:r>
-            <a:r>
-              <a:rPr lang="en-US" sz="1800" dirty="0" smtClean="0"/>
-              <a:t>5.31, </a:t>
-            </a:r>
-            <a:r>
-              <a:rPr lang="en-US" sz="1800" dirty="0"/>
-              <a:t>FDR: </a:t>
-            </a:r>
-            <a:r>
-              <a:rPr lang="en-US" sz="1800" dirty="0" smtClean="0"/>
-              <a:t>1.51E-53) </a:t>
-            </a:r>
-            <a:endParaRPr lang="en-US" sz="1800" dirty="0"/>
-          </a:p>
-          <a:p>
-            <a:pPr lvl="1"/>
-            <a:endParaRPr lang="en-US" sz="1800" dirty="0"/>
-          </a:p>
-          <a:p>
-            <a:pPr marL="285750" indent="-285750"/>
-            <a:r>
-              <a:rPr lang="en-US" sz="1800" dirty="0"/>
-              <a:t>All of these genes also have low s-values/local FDRs indicating that they are very unlikely to be false-positive findings</a:t>
-            </a:r>
-          </a:p>
-          <a:p>
-            <a:endParaRPr lang="en-US" dirty="0"/>
-          </a:p>
-        </p:txBody>
-      </p:sp>
-      <p:pic>
-        <p:nvPicPr>
-          <p:cNvPr id="3" name="Picture 2"/>
-          <p:cNvPicPr>
-            <a:picLocks noChangeAspect="1"/>
-          </p:cNvPicPr>
-          <p:nvPr/>
-        </p:nvPicPr>
-        <p:blipFill>
-          <a:blip r:embed="rId2">
-            <a:extLst>
-              <a:ext uri="{28A0092B-C50C-407E-A947-70E740481C1C}">
-                <a14:useLocalDpi xmlns:a14="http://schemas.microsoft.com/office/drawing/2010/main" val="0"/>
-              </a:ext>
-            </a:extLst>
-          </a:blip>
-          <a:stretch>
-            <a:fillRect/>
-          </a:stretch>
-        </p:blipFill>
-        <p:spPr>
-          <a:xfrm>
-            <a:off x="5286966" y="976312"/>
-            <a:ext cx="6667500" cy="5715000"/>
-          </a:xfrm>
-          <a:prstGeom prst="rect">
-            <a:avLst/>
-          </a:prstGeom>
-        </p:spPr>
-      </p:pic>
-    </p:spTree>
-    <p:extLst>
-      <p:ext uri="{BB962C8B-B14F-4D97-AF65-F5344CB8AC3E}">
-        <p14:creationId xmlns:p14="http://schemas.microsoft.com/office/powerpoint/2010/main" val="3631167490"/>
-      </p:ext>
-    </p:extLst>
-  </p:cSld>
-  <p:clrMapOvr>
-    <a:masterClrMapping/>
-  </p:clrMapOvr>
-  <p:timing>
-    <p:tnLst>
-      <p:par>
-        <p:cTn id="1" dur="indefinite" restart="never" nodeType="tmRoot"/>
-      </p:par>
-    </p:tnLst>
-  </p:timing>
-</p:sld>
-</file>
-
-<file path=ppt/slides/slide19.xml><?xml version="1.0" encoding="utf-8"?>
-<p:sld xmlns:a="http://schemas.openxmlformats.org/drawingml/2006/main" xmlns:r="http://schemas.openxmlformats.org/officeDocument/2006/relationships" xmlns:p="http://schemas.openxmlformats.org/presentationml/2006/main">
-  <p:cSld>
-    <p:spTree>
-      <p:nvGrpSpPr>
-        <p:cNvPr id="1" name=""/>
-        <p:cNvGrpSpPr/>
-        <p:nvPr/>
-      </p:nvGrpSpPr>
-      <p:grpSpPr>
-        <a:xfrm>
-          <a:off x="0" y="0"/>
-          <a:ext cx="0" cy="0"/>
-          <a:chOff x="0" y="0"/>
-          <a:chExt cx="0" cy="0"/>
-        </a:xfrm>
-      </p:grpSpPr>
-      <p:sp>
-        <p:nvSpPr>
-          <p:cNvPr id="2" name="Title 1"/>
-          <p:cNvSpPr>
-            <a:spLocks noGrp="1"/>
-          </p:cNvSpPr>
-          <p:nvPr>
-            <p:ph type="title"/>
-          </p:nvPr>
-        </p:nvSpPr>
-        <p:spPr/>
-        <p:txBody>
-          <a:bodyPr/>
-          <a:lstStyle/>
-          <a:p>
-            <a:r>
-              <a:rPr lang="en-US" dirty="0"/>
-              <a:t>C</a:t>
-            </a:r>
-            <a:r>
-              <a:rPr lang="en-US" dirty="0" smtClean="0"/>
-              <a:t> vs A: Heat map</a:t>
-            </a:r>
-            <a:endParaRPr lang="en-US" dirty="0"/>
-          </a:p>
-        </p:txBody>
-      </p:sp>
-      <p:sp>
-        <p:nvSpPr>
-          <p:cNvPr id="5" name="TextBox 4"/>
-          <p:cNvSpPr txBox="1"/>
-          <p:nvPr/>
-        </p:nvSpPr>
-        <p:spPr>
-          <a:xfrm>
-            <a:off x="898071" y="2018792"/>
-            <a:ext cx="4726983" cy="4247317"/>
-          </a:xfrm>
-          <a:prstGeom prst="rect">
-            <a:avLst/>
-          </a:prstGeom>
-          <a:noFill/>
-        </p:spPr>
-        <p:txBody>
-          <a:bodyPr wrap="square" rtlCol="0">
-            <a:spAutoFit/>
-          </a:bodyPr>
-          <a:lstStyle/>
-          <a:p>
-            <a:pPr marL="285750" indent="-285750">
-              <a:buFont typeface="Arial" panose="020B0604020202020204" pitchFamily="34" charset="0"/>
-              <a:buChar char="•"/>
-            </a:pPr>
-            <a:r>
-              <a:rPr lang="en-US" dirty="0" smtClean="0"/>
-              <a:t>Color and intensity of the boxes represent changes of gene expression as quantified by row means of the normalized counts</a:t>
-            </a:r>
-          </a:p>
-          <a:p>
-            <a:pPr marL="285750" indent="-285750">
-              <a:buFont typeface="Arial" panose="020B0604020202020204" pitchFamily="34" charset="0"/>
-              <a:buChar char="•"/>
-            </a:pPr>
-            <a:r>
-              <a:rPr lang="en-US" dirty="0" smtClean="0"/>
-              <a:t>The genes listed are in decreasing order of the mean normalized counts across all samples</a:t>
-            </a:r>
-          </a:p>
-          <a:p>
-            <a:pPr marL="285750" indent="-285750">
-              <a:buFont typeface="Arial" panose="020B0604020202020204" pitchFamily="34" charset="0"/>
-              <a:buChar char="•"/>
-            </a:pPr>
-            <a:r>
-              <a:rPr lang="en-US" dirty="0" smtClean="0"/>
-              <a:t>Red indicates log fold changes close to 16 and blue indicates log fold changes close to 8 </a:t>
-            </a:r>
-          </a:p>
-          <a:p>
-            <a:pPr marL="285750" indent="-285750">
-              <a:buFont typeface="Arial" panose="020B0604020202020204" pitchFamily="34" charset="0"/>
-              <a:buChar char="•"/>
-            </a:pPr>
-            <a:r>
-              <a:rPr lang="en-US" dirty="0" smtClean="0"/>
-              <a:t>Samples are grouped by dose group for simplified visual comparison and appear to have somewhat consistent expression within site groups</a:t>
-            </a:r>
-          </a:p>
-          <a:p>
-            <a:pPr marL="285750" indent="-285750">
-              <a:buFont typeface="Arial" panose="020B0604020202020204" pitchFamily="34" charset="0"/>
-              <a:buChar char="•"/>
-            </a:pPr>
-            <a:r>
-              <a:rPr lang="en-US" dirty="0" smtClean="0"/>
-              <a:t>As expected, both concentrations are more similar to one another than they are to concentration of 0 </a:t>
-            </a:r>
-            <a:endParaRPr lang="en-US" dirty="0"/>
-          </a:p>
-        </p:txBody>
-      </p:sp>
-      <p:pic>
-        <p:nvPicPr>
-          <p:cNvPr id="4" name="Picture 3"/>
-          <p:cNvPicPr>
-            <a:picLocks noChangeAspect="1"/>
-          </p:cNvPicPr>
-          <p:nvPr/>
-        </p:nvPicPr>
-        <p:blipFill>
-          <a:blip r:embed="rId2" cstate="print">
-            <a:extLst>
-              <a:ext uri="{28A0092B-C50C-407E-A947-70E740481C1C}">
-                <a14:useLocalDpi xmlns:a14="http://schemas.microsoft.com/office/drawing/2010/main" val="0"/>
-              </a:ext>
-            </a:extLst>
-          </a:blip>
-          <a:stretch>
-            <a:fillRect/>
-          </a:stretch>
-        </p:blipFill>
-        <p:spPr>
-          <a:xfrm>
-            <a:off x="6259280" y="816422"/>
-            <a:ext cx="5715012" cy="5715012"/>
-          </a:xfrm>
-          <a:prstGeom prst="rect">
-            <a:avLst/>
-          </a:prstGeom>
-        </p:spPr>
-      </p:pic>
-    </p:spTree>
-    <p:extLst>
-      <p:ext uri="{BB962C8B-B14F-4D97-AF65-F5344CB8AC3E}">
-        <p14:creationId xmlns:p14="http://schemas.microsoft.com/office/powerpoint/2010/main" val="3963905637"/>
-      </p:ext>
-    </p:extLst>
-  </p:cSld>
-  <p:clrMapOvr>
-    <a:masterClrMapping/>
-  </p:clrMapOvr>
-</p:sld>
-</file>
-
-<file path=ppt/slides/slide2.xml><?xml version="1.0" encoding="utf-8"?>
-<p:sld xmlns:a="http://schemas.openxmlformats.org/drawingml/2006/main" xmlns:r="http://schemas.openxmlformats.org/officeDocument/2006/relationships" xmlns:p="http://schemas.openxmlformats.org/presentationml/2006/main">
-  <p:cSld>
-    <p:spTree>
-      <p:nvGrpSpPr>
-        <p:cNvPr id="1" name=""/>
-        <p:cNvGrpSpPr/>
-        <p:nvPr/>
-      </p:nvGrpSpPr>
-      <p:grpSpPr>
-        <a:xfrm>
-          <a:off x="0" y="0"/>
-          <a:ext cx="0" cy="0"/>
-          <a:chOff x="0" y="0"/>
-          <a:chExt cx="0" cy="0"/>
-        </a:xfrm>
-      </p:grpSpPr>
-      <p:sp>
-        <p:nvSpPr>
-          <p:cNvPr id="2" name="Title 1">
-            <a:extLst>
-              <a:ext uri="{FF2B5EF4-FFF2-40B4-BE49-F238E27FC236}">
-                <a16:creationId xmlns:a16="http://schemas.microsoft.com/office/drawing/2014/main" id="{3A2D132A-48CD-CA44-9040-8CD5E5DD4DEB}"/>
-              </a:ext>
-            </a:extLst>
-          </p:cNvPr>
-          <p:cNvSpPr>
-            <a:spLocks noGrp="1"/>
-          </p:cNvSpPr>
-          <p:nvPr>
-            <p:ph type="title"/>
-          </p:nvPr>
-        </p:nvSpPr>
-        <p:spPr/>
-        <p:txBody>
-          <a:bodyPr/>
-          <a:lstStyle/>
-          <a:p>
-            <a:r>
-              <a:rPr lang="en-US" dirty="0" err="1"/>
-              <a:t>RNASeq</a:t>
-            </a:r>
-            <a:r>
-              <a:rPr lang="en-US" dirty="0"/>
-              <a:t> Analysis Workflow</a:t>
-            </a:r>
-          </a:p>
-        </p:txBody>
-      </p:sp>
-      <p:sp>
-        <p:nvSpPr>
-          <p:cNvPr id="3" name="Content Placeholder 2">
-            <a:extLst>
-              <a:ext uri="{FF2B5EF4-FFF2-40B4-BE49-F238E27FC236}">
-                <a16:creationId xmlns:a16="http://schemas.microsoft.com/office/drawing/2014/main" id="{BC867114-6E4A-F345-9EBB-6E085C92DE33}"/>
-              </a:ext>
-            </a:extLst>
-          </p:cNvPr>
-          <p:cNvSpPr>
-            <a:spLocks noGrp="1"/>
-          </p:cNvSpPr>
-          <p:nvPr>
-            <p:ph idx="1"/>
-          </p:nvPr>
-        </p:nvSpPr>
-        <p:spPr/>
-        <p:txBody>
-          <a:bodyPr>
-            <a:normAutofit fontScale="92500" lnSpcReduction="20000"/>
-          </a:bodyPr>
-          <a:lstStyle/>
-          <a:p>
-            <a:pPr marL="571500" indent="-571500">
-              <a:buFont typeface="+mj-lt"/>
-              <a:buAutoNum type="romanUcPeriod"/>
-            </a:pPr>
-            <a:r>
-              <a:rPr lang="en-US" dirty="0"/>
-              <a:t>QC at .</a:t>
-            </a:r>
-            <a:r>
-              <a:rPr lang="en-US" dirty="0" err="1"/>
-              <a:t>fastq</a:t>
-            </a:r>
-            <a:r>
-              <a:rPr lang="en-US" dirty="0"/>
-              <a:t> stage</a:t>
-            </a:r>
-          </a:p>
-          <a:p>
-            <a:pPr marL="1028700" lvl="1" indent="-571500">
-              <a:buFont typeface="+mj-lt"/>
-              <a:buAutoNum type="romanUcPeriod"/>
-            </a:pPr>
-            <a:r>
-              <a:rPr lang="en-US" dirty="0" err="1"/>
-              <a:t>FastQC</a:t>
-            </a:r>
-            <a:r>
-              <a:rPr lang="en-US" dirty="0"/>
-              <a:t> , </a:t>
-            </a:r>
-            <a:r>
-              <a:rPr lang="en-US" dirty="0" err="1"/>
-              <a:t>Fastq</a:t>
-            </a:r>
-            <a:r>
-              <a:rPr lang="en-US" dirty="0"/>
-              <a:t>-Screen, </a:t>
-            </a:r>
-            <a:r>
-              <a:rPr lang="en-US" dirty="0" err="1"/>
-              <a:t>MultiQC</a:t>
-            </a:r>
-            <a:r>
-              <a:rPr lang="en-US" dirty="0"/>
-              <a:t>, &amp; </a:t>
-            </a:r>
-            <a:r>
-              <a:rPr lang="en-US" dirty="0" err="1"/>
-              <a:t>Trimmomatic</a:t>
-            </a:r>
-            <a:r>
-              <a:rPr lang="en-US" dirty="0"/>
-              <a:t> if necessary</a:t>
-            </a:r>
-          </a:p>
-          <a:p>
-            <a:pPr marL="571500" indent="-571500">
-              <a:buFont typeface="+mj-lt"/>
-              <a:buAutoNum type="romanUcPeriod"/>
-            </a:pPr>
-            <a:r>
-              <a:rPr lang="en-US" dirty="0"/>
-              <a:t>Alignment to reference genome </a:t>
-            </a:r>
-          </a:p>
-          <a:p>
-            <a:pPr marL="1028700" lvl="1" indent="-571500">
-              <a:buFont typeface="+mj-lt"/>
-              <a:buAutoNum type="romanUcPeriod"/>
-            </a:pPr>
-            <a:r>
-              <a:rPr lang="en-US" dirty="0"/>
-              <a:t>STAR – mm10 genome for </a:t>
-            </a:r>
-            <a:r>
-              <a:rPr lang="en-US" i="1" dirty="0"/>
-              <a:t>M. musculus</a:t>
-            </a:r>
-            <a:r>
-              <a:rPr lang="en-US" dirty="0"/>
-              <a:t>, UCSC</a:t>
-            </a:r>
-          </a:p>
-          <a:p>
-            <a:pPr marL="1028700" lvl="1" indent="-571500">
-              <a:buFont typeface="+mj-lt"/>
-              <a:buAutoNum type="romanUcPeriod"/>
-            </a:pPr>
-            <a:r>
-              <a:rPr lang="en-US" dirty="0"/>
-              <a:t>Sort and index .bam files</a:t>
-            </a:r>
-          </a:p>
-          <a:p>
-            <a:pPr marL="571500" indent="-571500">
-              <a:buFont typeface="+mj-lt"/>
-              <a:buAutoNum type="romanUcPeriod"/>
-            </a:pPr>
-            <a:r>
-              <a:rPr lang="en-US" dirty="0"/>
-              <a:t>Generation of raw counts from alignment .bam files</a:t>
-            </a:r>
-          </a:p>
-          <a:p>
-            <a:pPr marL="1028700" lvl="1" indent="-571500">
-              <a:buFont typeface="+mj-lt"/>
-              <a:buAutoNum type="romanUcPeriod"/>
-            </a:pPr>
-            <a:r>
-              <a:rPr lang="en-US" dirty="0" err="1"/>
-              <a:t>HTSeq</a:t>
-            </a:r>
-            <a:endParaRPr lang="en-US" dirty="0"/>
-          </a:p>
-          <a:p>
-            <a:pPr marL="571500" indent="-571500">
-              <a:buFont typeface="+mj-lt"/>
-              <a:buAutoNum type="romanUcPeriod"/>
-            </a:pPr>
-            <a:r>
-              <a:rPr lang="en-US" dirty="0"/>
-              <a:t>Differential Expression Analysis</a:t>
-            </a:r>
-          </a:p>
-          <a:p>
-            <a:pPr marL="1028700" lvl="1" indent="-571500">
-              <a:buFont typeface="+mj-lt"/>
-              <a:buAutoNum type="romanUcPeriod"/>
-            </a:pPr>
-            <a:r>
-              <a:rPr lang="en-US" dirty="0"/>
-              <a:t>DESeq2</a:t>
-            </a:r>
-          </a:p>
-          <a:p>
-            <a:pPr marL="571500" indent="-571500">
-              <a:buFont typeface="+mj-lt"/>
-              <a:buAutoNum type="romanUcPeriod"/>
-            </a:pPr>
-            <a:r>
-              <a:rPr lang="en-US" dirty="0"/>
-              <a:t>Pathway Analysis (KEGG</a:t>
-            </a:r>
-            <a:r>
-              <a:rPr lang="en-US" dirty="0" smtClean="0"/>
-              <a:t>)</a:t>
-            </a:r>
-          </a:p>
-          <a:p>
-            <a:pPr marL="0" indent="0">
-              <a:buNone/>
-            </a:pPr>
-            <a:r>
-              <a:rPr lang="en-US" dirty="0" smtClean="0"/>
-              <a:t>Notes</a:t>
-            </a:r>
-            <a:r>
-              <a:rPr lang="en-US" dirty="0"/>
-              <a:t>: Please </a:t>
-            </a:r>
-            <a:r>
-              <a:rPr lang="en-US" dirty="0" smtClean="0"/>
-              <a:t>see </a:t>
-            </a:r>
-            <a:r>
-              <a:rPr lang="en-US" dirty="0"/>
-              <a:t>our </a:t>
-            </a:r>
-            <a:r>
-              <a:rPr lang="en-US" dirty="0" err="1" smtClean="0"/>
-              <a:t>RNASeq</a:t>
-            </a:r>
-            <a:r>
-              <a:rPr lang="en-US" dirty="0" smtClean="0"/>
-              <a:t> (bulk) analysis page in our Methods </a:t>
-            </a:r>
-            <a:r>
-              <a:rPr lang="en-US" dirty="0"/>
-              <a:t>section for a publication-friendly </a:t>
-            </a:r>
-            <a:r>
-              <a:rPr lang="en-US" dirty="0" smtClean="0"/>
-              <a:t>write-up of </a:t>
-            </a:r>
-            <a:r>
-              <a:rPr lang="en-US" dirty="0"/>
-              <a:t>our workflow</a:t>
-            </a:r>
-          </a:p>
-          <a:p>
-            <a:pPr marL="0" indent="0">
-              <a:buNone/>
-            </a:pPr>
-            <a:endParaRPr lang="en-US" dirty="0"/>
-          </a:p>
-        </p:txBody>
-      </p:sp>
-    </p:spTree>
-    <p:extLst>
-      <p:ext uri="{BB962C8B-B14F-4D97-AF65-F5344CB8AC3E}">
-        <p14:creationId xmlns:p14="http://schemas.microsoft.com/office/powerpoint/2010/main" val="3979204288"/>
-      </p:ext>
-    </p:extLst>
-  </p:cSld>
-  <p:clrMapOvr>
-    <a:masterClrMapping/>
-  </p:clrMapOvr>
-  <p:timing>
-    <p:tnLst>
-      <p:par>
-        <p:cTn id="1" dur="indefinite" restart="never" nodeType="tmRoot"/>
-      </p:par>
-    </p:tnLst>
-  </p:timing>
-</p:sld>
-</file>
-
-<file path=ppt/slides/slide20.xml><?xml version="1.0" encoding="utf-8"?>
-<p:sld xmlns:a="http://schemas.openxmlformats.org/drawingml/2006/main" xmlns:r="http://schemas.openxmlformats.org/officeDocument/2006/relationships" xmlns:p="http://schemas.openxmlformats.org/presentationml/2006/main">
-  <p:cSld>
-    <p:spTree>
-      <p:nvGrpSpPr>
-        <p:cNvPr id="1" name=""/>
-        <p:cNvGrpSpPr/>
-        <p:nvPr/>
-      </p:nvGrpSpPr>
-      <p:grpSpPr>
-        <a:xfrm>
-          <a:off x="0" y="0"/>
-          <a:ext cx="0" cy="0"/>
-          <a:chOff x="0" y="0"/>
-          <a:chExt cx="0" cy="0"/>
-        </a:xfrm>
-      </p:grpSpPr>
-      <p:sp>
-        <p:nvSpPr>
-          <p:cNvPr id="2" name="Title 1"/>
-          <p:cNvSpPr>
-            <a:spLocks noGrp="1"/>
-          </p:cNvSpPr>
-          <p:nvPr>
-            <p:ph type="title"/>
-          </p:nvPr>
-        </p:nvSpPr>
-        <p:spPr>
-          <a:xfrm>
-            <a:off x="107175" y="239976"/>
-            <a:ext cx="7967565" cy="723207"/>
-          </a:xfrm>
-        </p:spPr>
-        <p:txBody>
-          <a:bodyPr>
-            <a:noAutofit/>
-          </a:bodyPr>
-          <a:lstStyle/>
-          <a:p>
-            <a:r>
-              <a:rPr lang="en-US" dirty="0" smtClean="0"/>
-              <a:t>Concentration C vs B: MA plot</a:t>
-            </a:r>
-            <a:endParaRPr lang="en-US" dirty="0"/>
-          </a:p>
-        </p:txBody>
-      </p:sp>
-      <p:sp>
-        <p:nvSpPr>
-          <p:cNvPr id="7" name="Content Placeholder 6"/>
-          <p:cNvSpPr>
-            <a:spLocks noGrp="1"/>
-          </p:cNvSpPr>
-          <p:nvPr>
-            <p:ph type="body" sz="half" idx="2"/>
-          </p:nvPr>
-        </p:nvSpPr>
-        <p:spPr>
-          <a:xfrm>
-            <a:off x="811589" y="963183"/>
-            <a:ext cx="4095147" cy="6304883"/>
-          </a:xfrm>
-        </p:spPr>
-        <p:txBody>
-          <a:bodyPr>
-            <a:noAutofit/>
-          </a:bodyPr>
-          <a:lstStyle/>
-          <a:p>
-            <a:r>
-              <a:rPr lang="en-US" sz="2000" dirty="0"/>
-              <a:t>Results FDR &lt;</a:t>
-            </a:r>
-            <a:r>
-              <a:rPr lang="en-US" sz="2000" dirty="0" smtClean="0"/>
-              <a:t>0.01 </a:t>
-            </a:r>
-          </a:p>
-          <a:p>
-            <a:pPr marL="342900" indent="-342900">
-              <a:buFont typeface="Arial" panose="020B0604020202020204" pitchFamily="34" charset="0"/>
-              <a:buChar char="•"/>
-            </a:pPr>
-            <a:r>
-              <a:rPr lang="en-US" sz="2000" dirty="0" smtClean="0"/>
-              <a:t>67 DE genes (0.48%)</a:t>
-            </a:r>
-            <a:endParaRPr lang="en-US" sz="2000" dirty="0"/>
-          </a:p>
-          <a:p>
-            <a:pPr marL="342900" indent="-342900">
-              <a:buFont typeface="Arial" panose="020B0604020202020204" pitchFamily="34" charset="0"/>
-              <a:buChar char="•"/>
-            </a:pPr>
-            <a:r>
-              <a:rPr lang="en-US" sz="2000" dirty="0" smtClean="0"/>
-              <a:t>73 (0.289%) </a:t>
-            </a:r>
-            <a:r>
-              <a:rPr lang="en-US" sz="2000" dirty="0"/>
-              <a:t>up </a:t>
-            </a:r>
-            <a:r>
-              <a:rPr lang="en-US" sz="2000" dirty="0" smtClean="0"/>
-              <a:t>regulated</a:t>
-            </a:r>
-          </a:p>
-          <a:p>
-            <a:pPr marL="342900" indent="-342900">
-              <a:buFont typeface="Arial" panose="020B0604020202020204" pitchFamily="34" charset="0"/>
-              <a:buChar char="•"/>
-            </a:pPr>
-            <a:r>
-              <a:rPr lang="en-US" sz="2000" dirty="0" smtClean="0"/>
-              <a:t>48  (0.194%)  down regulated</a:t>
-            </a:r>
-          </a:p>
-          <a:p>
-            <a:pPr marL="342900" indent="-342900">
-              <a:buFont typeface="Arial" panose="020B0604020202020204" pitchFamily="34" charset="0"/>
-              <a:buChar char="•"/>
-            </a:pPr>
-            <a:r>
-              <a:rPr lang="en-US" sz="2000" dirty="0" smtClean="0"/>
-              <a:t>15579 (62%) of genes filtered </a:t>
-            </a:r>
-            <a:r>
-              <a:rPr lang="en-US" sz="1800" dirty="0" smtClean="0"/>
-              <a:t>for mean normalized counts &lt;6</a:t>
-            </a:r>
-          </a:p>
-          <a:p>
-            <a:pPr marL="342900" lvl="1" indent="-342900">
-              <a:spcBef>
-                <a:spcPts val="1000"/>
-              </a:spcBef>
-              <a:buFont typeface="Arial" panose="020B0604020202020204" pitchFamily="34" charset="0"/>
-              <a:buChar char="•"/>
-            </a:pPr>
-            <a:r>
-              <a:rPr lang="en-US" sz="2000" dirty="0"/>
-              <a:t>Controlling for batch effects gave us greater power to </a:t>
-            </a:r>
-            <a:r>
-              <a:rPr lang="en-US" sz="2000" dirty="0" smtClean="0"/>
-              <a:t>correctly reject genes which were truly not differentiated between these concentrations at </a:t>
-            </a:r>
-            <a:r>
-              <a:rPr lang="en-US" sz="2000" dirty="0"/>
-              <a:t>FDR </a:t>
-            </a:r>
-            <a:r>
-              <a:rPr lang="en-US" sz="2000" dirty="0" smtClean="0"/>
-              <a:t>threshold</a:t>
-            </a:r>
-          </a:p>
-          <a:p>
-            <a:pPr marL="0" lvl="1">
-              <a:spcBef>
-                <a:spcPts val="1000"/>
-              </a:spcBef>
-            </a:pPr>
-            <a:r>
-              <a:rPr lang="en-US" sz="2000" dirty="0" smtClean="0"/>
-              <a:t>MA plot (pre-threshold)</a:t>
-            </a:r>
-            <a:endParaRPr lang="en-US" sz="2000" dirty="0"/>
-          </a:p>
-          <a:p>
-            <a:pPr marL="742950" lvl="1" indent="-285750">
-              <a:buFont typeface="Arial" panose="020B0604020202020204" pitchFamily="34" charset="0"/>
-              <a:buChar char="•"/>
-            </a:pPr>
-            <a:r>
-              <a:rPr lang="en-US" sz="2000" dirty="0"/>
-              <a:t>Many more up regulated than down regulated </a:t>
-            </a:r>
-            <a:r>
-              <a:rPr lang="en-US" sz="2000" dirty="0" smtClean="0"/>
-              <a:t>genes</a:t>
-            </a:r>
-          </a:p>
-          <a:p>
-            <a:pPr marL="742950" lvl="1" indent="-285750">
-              <a:buFont typeface="Arial" panose="020B0604020202020204" pitchFamily="34" charset="0"/>
-              <a:buChar char="•"/>
-            </a:pPr>
-            <a:r>
-              <a:rPr lang="en-US" sz="2000" dirty="0" smtClean="0"/>
-              <a:t>Many were around zero and cluster on the line so are impossible to see.</a:t>
-            </a:r>
-          </a:p>
-        </p:txBody>
-      </p:sp>
-      <p:pic>
-        <p:nvPicPr>
-          <p:cNvPr id="4" name="Picture 3"/>
-          <p:cNvPicPr>
-            <a:picLocks noChangeAspect="1"/>
-          </p:cNvPicPr>
-          <p:nvPr/>
-        </p:nvPicPr>
-        <p:blipFill>
-          <a:blip r:embed="rId2">
-            <a:extLst>
-              <a:ext uri="{28A0092B-C50C-407E-A947-70E740481C1C}">
-                <a14:useLocalDpi xmlns:a14="http://schemas.microsoft.com/office/drawing/2010/main" val="0"/>
-              </a:ext>
-            </a:extLst>
-          </a:blip>
-          <a:stretch>
-            <a:fillRect/>
-          </a:stretch>
-        </p:blipFill>
-        <p:spPr>
-          <a:xfrm>
-            <a:off x="5874818" y="513171"/>
-            <a:ext cx="6078551" cy="6078551"/>
-          </a:xfrm>
-          <a:prstGeom prst="rect">
-            <a:avLst/>
-          </a:prstGeom>
-        </p:spPr>
-      </p:pic>
-    </p:spTree>
-    <p:extLst>
-      <p:ext uri="{BB962C8B-B14F-4D97-AF65-F5344CB8AC3E}">
-        <p14:creationId xmlns:p14="http://schemas.microsoft.com/office/powerpoint/2010/main" val="2940971593"/>
-      </p:ext>
-    </p:extLst>
-  </p:cSld>
-  <p:clrMapOvr>
-    <a:masterClrMapping/>
-  </p:clrMapOvr>
-  <p:timing>
-    <p:tnLst>
-      <p:par>
-        <p:cTn id="1" dur="indefinite" restart="never" nodeType="tmRoot"/>
-      </p:par>
-    </p:tnLst>
-  </p:timing>
-</p:sld>
-</file>
-
 <file path=ppt/slides/slide21.xml><?xml version="1.0" encoding="utf-8"?>
 <p:sld xmlns:a="http://schemas.openxmlformats.org/drawingml/2006/main" xmlns:r="http://schemas.openxmlformats.org/officeDocument/2006/relationships" xmlns:p="http://schemas.openxmlformats.org/presentationml/2006/main">
   <p:cSld>
@@ -5818,457 +5310,17 @@
             <p:ph type="title"/>
           </p:nvPr>
         </p:nvSpPr>
-        <p:spPr>
-          <a:xfrm>
-            <a:off x="268288" y="622300"/>
-            <a:ext cx="5713412" cy="571500"/>
-          </a:xfrm>
-        </p:spPr>
-        <p:txBody>
-          <a:bodyPr>
-            <a:normAutofit fontScale="90000"/>
-          </a:bodyPr>
-          <a:lstStyle/>
-          <a:p>
-            <a:r>
-              <a:rPr lang="en-US" dirty="0"/>
-              <a:t>Concentration </a:t>
-            </a:r>
-            <a:r>
-              <a:rPr lang="en-US" dirty="0" smtClean="0"/>
-              <a:t>C </a:t>
-            </a:r>
-            <a:r>
-              <a:rPr lang="en-US" dirty="0"/>
-              <a:t>vs </a:t>
-            </a:r>
-            <a:r>
-              <a:rPr lang="en-US" dirty="0" smtClean="0"/>
-              <a:t>B: Volcano plot</a:t>
-            </a:r>
-            <a:endParaRPr lang="en-US" dirty="0"/>
-          </a:p>
-        </p:txBody>
-      </p:sp>
-      <p:sp>
-        <p:nvSpPr>
-          <p:cNvPr id="4" name="Text Placeholder 3"/>
-          <p:cNvSpPr>
-            <a:spLocks noGrp="1"/>
-          </p:cNvSpPr>
-          <p:nvPr>
-            <p:ph type="body" sz="half" idx="2"/>
-          </p:nvPr>
-        </p:nvSpPr>
-        <p:spPr>
-          <a:xfrm>
-            <a:off x="854906" y="1493125"/>
-            <a:ext cx="4540176" cy="4494047"/>
-          </a:xfrm>
-        </p:spPr>
+        <p:spPr/>
         <p:txBody>
           <a:bodyPr>
             <a:normAutofit/>
           </a:bodyPr>
           <a:lstStyle/>
           <a:p>
-            <a:pPr marL="285750" indent="-285750"/>
-            <a:r>
-              <a:rPr lang="en-US" sz="1800" dirty="0"/>
-              <a:t>Fold change cut-off was set at 1.0, FDR was 0.01</a:t>
-            </a:r>
-          </a:p>
-          <a:p>
-            <a:pPr marL="285750" indent="-285750">
-              <a:buFont typeface="Arial" panose="020B0604020202020204" pitchFamily="34" charset="0"/>
-              <a:buChar char="•"/>
-            </a:pPr>
-            <a:r>
-              <a:rPr lang="en-US" sz="1800" dirty="0"/>
-              <a:t>Top 5</a:t>
-            </a:r>
-            <a:r>
-              <a:rPr lang="en-US" sz="1800" dirty="0" smtClean="0"/>
-              <a:t> DE </a:t>
-            </a:r>
-            <a:r>
-              <a:rPr lang="en-US" sz="1800" dirty="0"/>
-              <a:t>genes were as follows:</a:t>
-            </a:r>
-          </a:p>
-          <a:p>
-            <a:pPr marL="1200150" lvl="2" indent="-285750"/>
-            <a:r>
-              <a:rPr lang="en-US" sz="1600" dirty="0" smtClean="0"/>
-              <a:t>ACT2 </a:t>
-            </a:r>
-            <a:r>
-              <a:rPr lang="en-US" sz="1600" dirty="0"/>
-              <a:t>(</a:t>
-            </a:r>
-            <a:r>
-              <a:rPr lang="en-US" sz="1600" dirty="0" smtClean="0"/>
-              <a:t>LFC:-3.34, </a:t>
-            </a:r>
-            <a:r>
-              <a:rPr lang="en-US" sz="1600" dirty="0"/>
-              <a:t>FDR: </a:t>
-            </a:r>
-            <a:r>
-              <a:rPr lang="en-US" sz="1600" dirty="0" smtClean="0"/>
-              <a:t>6.77E-13)</a:t>
-            </a:r>
-            <a:endParaRPr lang="en-US" sz="1600" dirty="0"/>
-          </a:p>
-          <a:p>
-            <a:pPr marL="1200150" lvl="2" indent="-285750"/>
-            <a:r>
-              <a:rPr lang="en-US" sz="1600" dirty="0" smtClean="0"/>
-              <a:t>KIF11(LFC</a:t>
-            </a:r>
-            <a:r>
-              <a:rPr lang="en-US" sz="1600" dirty="0"/>
-              <a:t>: </a:t>
-            </a:r>
-            <a:r>
-              <a:rPr lang="en-US" sz="1600" dirty="0" smtClean="0"/>
-              <a:t>-2.61, </a:t>
-            </a:r>
-            <a:r>
-              <a:rPr lang="en-US" sz="1600" dirty="0"/>
-              <a:t>FDR: </a:t>
-            </a:r>
-            <a:r>
-              <a:rPr lang="en-US" sz="1600" dirty="0" smtClean="0"/>
-              <a:t>2.63E-08)</a:t>
-            </a:r>
-            <a:endParaRPr lang="en-US" sz="1600" dirty="0"/>
-          </a:p>
-          <a:p>
-            <a:pPr marL="1200150" lvl="2" indent="-285750"/>
-            <a:r>
-              <a:rPr lang="en-US" sz="1600" dirty="0" smtClean="0"/>
-              <a:t>APH1A (LFC: 2.70, </a:t>
-            </a:r>
-            <a:r>
-              <a:rPr lang="en-US" sz="1600" dirty="0"/>
-              <a:t>FDR: </a:t>
-            </a:r>
-            <a:r>
-              <a:rPr lang="en-US" sz="1600" dirty="0" smtClean="0"/>
-              <a:t>4.76E-08)</a:t>
-            </a:r>
-            <a:endParaRPr lang="en-US" sz="1600" dirty="0"/>
-          </a:p>
-          <a:p>
-            <a:pPr marL="1200150" lvl="2" indent="-285750"/>
-            <a:r>
-              <a:rPr lang="en-US" sz="1600" dirty="0" smtClean="0"/>
-              <a:t>ATP2B2(LFC</a:t>
-            </a:r>
-            <a:r>
-              <a:rPr lang="en-US" sz="1600" dirty="0"/>
-              <a:t>: </a:t>
-            </a:r>
-            <a:r>
-              <a:rPr lang="en-US" sz="1600" dirty="0" smtClean="0"/>
-              <a:t>3.52, </a:t>
-            </a:r>
-            <a:r>
-              <a:rPr lang="en-US" sz="1600" dirty="0"/>
-              <a:t>FDR: </a:t>
-            </a:r>
-            <a:r>
-              <a:rPr lang="en-US" sz="1600" dirty="0" smtClean="0"/>
-              <a:t>4.76E-08)</a:t>
-            </a:r>
-            <a:endParaRPr lang="en-US" sz="1600" dirty="0"/>
-          </a:p>
-          <a:p>
-            <a:pPr marL="1200150" lvl="2" indent="-285750"/>
-            <a:r>
-              <a:rPr lang="en-US" sz="1600" dirty="0" smtClean="0"/>
-              <a:t>E2F3(LFC</a:t>
-            </a:r>
-            <a:r>
-              <a:rPr lang="en-US" sz="1600" dirty="0"/>
-              <a:t>: </a:t>
-            </a:r>
-            <a:r>
-              <a:rPr lang="en-US" sz="1600" dirty="0" smtClean="0"/>
-              <a:t>-2.32, </a:t>
-            </a:r>
-            <a:r>
-              <a:rPr lang="en-US" sz="1600" dirty="0"/>
-              <a:t>FDR: 4.76E-08)</a:t>
-            </a:r>
-          </a:p>
-          <a:p>
-            <a:pPr marL="285750" indent="-285750">
-              <a:buFont typeface="Arial" panose="020B0604020202020204" pitchFamily="34" charset="0"/>
-              <a:buChar char="•"/>
-            </a:pPr>
-            <a:r>
-              <a:rPr lang="en-US" sz="1800" dirty="0" smtClean="0"/>
-              <a:t>Note that the x axis is ~ 1/4 of previous Volcano plots suggesting much smaller differences in LFC between groups</a:t>
-            </a:r>
-            <a:endParaRPr lang="en-US" sz="1800" dirty="0"/>
-          </a:p>
-          <a:p>
-            <a:endParaRPr lang="en-US" dirty="0"/>
-          </a:p>
-        </p:txBody>
-      </p:sp>
-      <p:pic>
-        <p:nvPicPr>
-          <p:cNvPr id="3" name="Picture 2"/>
-          <p:cNvPicPr>
-            <a:picLocks noChangeAspect="1"/>
-          </p:cNvPicPr>
-          <p:nvPr/>
-        </p:nvPicPr>
-        <p:blipFill>
-          <a:blip r:embed="rId2">
-            <a:extLst>
-              <a:ext uri="{28A0092B-C50C-407E-A947-70E740481C1C}">
-                <a14:useLocalDpi xmlns:a14="http://schemas.microsoft.com/office/drawing/2010/main" val="0"/>
-              </a:ext>
-            </a:extLst>
-          </a:blip>
-          <a:stretch>
-            <a:fillRect/>
-          </a:stretch>
-        </p:blipFill>
-        <p:spPr>
-          <a:xfrm>
-            <a:off x="5338438" y="1143000"/>
-            <a:ext cx="6667500" cy="5715000"/>
-          </a:xfrm>
-          <a:prstGeom prst="rect">
-            <a:avLst/>
-          </a:prstGeom>
-        </p:spPr>
-      </p:pic>
-    </p:spTree>
-    <p:extLst>
-      <p:ext uri="{BB962C8B-B14F-4D97-AF65-F5344CB8AC3E}">
-        <p14:creationId xmlns:p14="http://schemas.microsoft.com/office/powerpoint/2010/main" val="3684976897"/>
-      </p:ext>
-    </p:extLst>
-  </p:cSld>
-  <p:clrMapOvr>
-    <a:masterClrMapping/>
-  </p:clrMapOvr>
-  <p:timing>
-    <p:tnLst>
-      <p:par>
-        <p:cTn id="1" dur="indefinite" restart="never" nodeType="tmRoot"/>
-      </p:par>
-    </p:tnLst>
-  </p:timing>
-</p:sld>
-</file>
-
-<file path=ppt/slides/slide22.xml><?xml version="1.0" encoding="utf-8"?>
-<p:sld xmlns:a="http://schemas.openxmlformats.org/drawingml/2006/main" xmlns:r="http://schemas.openxmlformats.org/officeDocument/2006/relationships" xmlns:p="http://schemas.openxmlformats.org/presentationml/2006/main">
-  <p:cSld>
-    <p:spTree>
-      <p:nvGrpSpPr>
-        <p:cNvPr id="1" name=""/>
-        <p:cNvGrpSpPr/>
-        <p:nvPr/>
-      </p:nvGrpSpPr>
-      <p:grpSpPr>
-        <a:xfrm>
-          <a:off x="0" y="0"/>
-          <a:ext cx="0" cy="0"/>
-          <a:chOff x="0" y="0"/>
-          <a:chExt cx="0" cy="0"/>
-        </a:xfrm>
-      </p:grpSpPr>
-      <p:sp>
-        <p:nvSpPr>
-          <p:cNvPr id="2" name="Title 1"/>
-          <p:cNvSpPr>
-            <a:spLocks noGrp="1"/>
-          </p:cNvSpPr>
-          <p:nvPr>
-            <p:ph type="title"/>
-          </p:nvPr>
-        </p:nvSpPr>
-        <p:spPr/>
-        <p:txBody>
-          <a:bodyPr/>
-          <a:lstStyle/>
-          <a:p>
-            <a:r>
-              <a:rPr lang="en-US" dirty="0"/>
-              <a:t>C</a:t>
-            </a:r>
-            <a:r>
-              <a:rPr lang="en-US" dirty="0" smtClean="0"/>
-              <a:t> vs B: Heat map</a:t>
-            </a:r>
-            <a:endParaRPr lang="en-US" dirty="0"/>
-          </a:p>
-        </p:txBody>
-      </p:sp>
-      <p:sp>
-        <p:nvSpPr>
-          <p:cNvPr id="5" name="TextBox 4"/>
-          <p:cNvSpPr txBox="1"/>
-          <p:nvPr/>
-        </p:nvSpPr>
-        <p:spPr>
-          <a:xfrm>
-            <a:off x="898071" y="2018792"/>
-            <a:ext cx="4726983" cy="4247317"/>
-          </a:xfrm>
-          <a:prstGeom prst="rect">
-            <a:avLst/>
-          </a:prstGeom>
-          <a:noFill/>
-        </p:spPr>
-        <p:txBody>
-          <a:bodyPr wrap="square" rtlCol="0">
-            <a:spAutoFit/>
-          </a:bodyPr>
-          <a:lstStyle/>
-          <a:p>
-            <a:pPr marL="285750" indent="-285750">
-              <a:buFont typeface="Arial" panose="020B0604020202020204" pitchFamily="34" charset="0"/>
-              <a:buChar char="•"/>
-            </a:pPr>
-            <a:r>
-              <a:rPr lang="en-US" dirty="0" smtClean="0"/>
-              <a:t>Color and intensity of the boxes represent changes of gene expression as quantified by row means of the normalized counts</a:t>
-            </a:r>
-          </a:p>
-          <a:p>
-            <a:pPr marL="285750" indent="-285750">
-              <a:buFont typeface="Arial" panose="020B0604020202020204" pitchFamily="34" charset="0"/>
-              <a:buChar char="•"/>
-            </a:pPr>
-            <a:r>
-              <a:rPr lang="en-US" dirty="0" smtClean="0"/>
-              <a:t>The genes listed are in decreasing order of the mean normalized counts across all samples</a:t>
-            </a:r>
-          </a:p>
-          <a:p>
-            <a:pPr marL="285750" indent="-285750">
-              <a:buFont typeface="Arial" panose="020B0604020202020204" pitchFamily="34" charset="0"/>
-              <a:buChar char="•"/>
-            </a:pPr>
-            <a:r>
-              <a:rPr lang="en-US" dirty="0" smtClean="0"/>
-              <a:t>Red indicates log fold changes close to 16 and blue indicates log fold changes close to 8 </a:t>
-            </a:r>
-          </a:p>
-          <a:p>
-            <a:pPr marL="285750" indent="-285750">
-              <a:buFont typeface="Arial" panose="020B0604020202020204" pitchFamily="34" charset="0"/>
-              <a:buChar char="•"/>
-            </a:pPr>
-            <a:r>
-              <a:rPr lang="en-US" dirty="0" smtClean="0"/>
-              <a:t>Samples are grouped by dose group for simplified visual comparison and appear to have somewhat consistent expression within site groups</a:t>
-            </a:r>
-          </a:p>
-          <a:p>
-            <a:pPr marL="285750" indent="-285750">
-              <a:buFont typeface="Arial" panose="020B0604020202020204" pitchFamily="34" charset="0"/>
-              <a:buChar char="•"/>
-            </a:pPr>
-            <a:r>
-              <a:rPr lang="en-US" dirty="0" smtClean="0"/>
-              <a:t>As expected, both concentrations are more similar to one another than they are to concentration of 0 </a:t>
-            </a:r>
-            <a:endParaRPr lang="en-US" dirty="0"/>
-          </a:p>
-        </p:txBody>
-      </p:sp>
-      <p:pic>
-        <p:nvPicPr>
-          <p:cNvPr id="4" name="Picture 3"/>
-          <p:cNvPicPr>
-            <a:picLocks noChangeAspect="1"/>
-          </p:cNvPicPr>
-          <p:nvPr/>
-        </p:nvPicPr>
-        <p:blipFill>
-          <a:blip r:embed="rId2" cstate="print">
-            <a:extLst>
-              <a:ext uri="{28A0092B-C50C-407E-A947-70E740481C1C}">
-                <a14:useLocalDpi xmlns:a14="http://schemas.microsoft.com/office/drawing/2010/main" val="0"/>
-              </a:ext>
-            </a:extLst>
-          </a:blip>
-          <a:stretch>
-            <a:fillRect/>
-          </a:stretch>
-        </p:blipFill>
-        <p:spPr>
-          <a:xfrm>
-            <a:off x="6174910" y="800094"/>
-            <a:ext cx="5715012" cy="5715012"/>
-          </a:xfrm>
-          <a:prstGeom prst="rect">
-            <a:avLst/>
-          </a:prstGeom>
-        </p:spPr>
-      </p:pic>
-    </p:spTree>
-    <p:extLst>
-      <p:ext uri="{BB962C8B-B14F-4D97-AF65-F5344CB8AC3E}">
-        <p14:creationId xmlns:p14="http://schemas.microsoft.com/office/powerpoint/2010/main" val="2283785590"/>
-      </p:ext>
-    </p:extLst>
-  </p:cSld>
-  <p:clrMapOvr>
-    <a:masterClrMapping/>
-  </p:clrMapOvr>
-</p:sld>
-</file>
-
-<file path=ppt/slides/slide23.xml><?xml version="1.0" encoding="utf-8"?>
-<p:sld xmlns:a="http://schemas.openxmlformats.org/drawingml/2006/main" xmlns:r="http://schemas.openxmlformats.org/officeDocument/2006/relationships" xmlns:p="http://schemas.openxmlformats.org/presentationml/2006/main">
-  <p:cSld>
-    <p:spTree>
-      <p:nvGrpSpPr>
-        <p:cNvPr id="1" name=""/>
-        <p:cNvGrpSpPr/>
-        <p:nvPr/>
-      </p:nvGrpSpPr>
-      <p:grpSpPr>
-        <a:xfrm>
-          <a:off x="0" y="0"/>
-          <a:ext cx="0" cy="0"/>
-          <a:chOff x="0" y="0"/>
-          <a:chExt cx="0" cy="0"/>
-        </a:xfrm>
-      </p:grpSpPr>
-      <p:sp>
-        <p:nvSpPr>
-          <p:cNvPr id="2" name="Title 1"/>
-          <p:cNvSpPr>
-            <a:spLocks noGrp="1"/>
-          </p:cNvSpPr>
-          <p:nvPr>
-            <p:ph type="title"/>
-          </p:nvPr>
-        </p:nvSpPr>
-        <p:spPr/>
-        <p:txBody>
-          <a:bodyPr>
-            <a:normAutofit/>
-          </a:bodyPr>
-          <a:lstStyle/>
-          <a:p>
-            <a:r>
-              <a:rPr lang="en-US" sz="3200" dirty="0" smtClean="0"/>
+            <a:r>
+              <a:rPr lang="en-US" sz="3200" dirty="0"/>
               <a:t>DE Pathway in B vs A and C vs A comparisons</a:t>
             </a:r>
-            <a:endParaRPr lang="en-US" sz="3200" dirty="0"/>
           </a:p>
         </p:txBody>
       </p:sp>
@@ -6296,37 +5348,15 @@
           <a:p>
             <a:r>
               <a:rPr lang="en-US" dirty="0"/>
-              <a:t>1</a:t>
-            </a:r>
-            <a:r>
-              <a:rPr lang="en-US" dirty="0" smtClean="0"/>
-              <a:t> </a:t>
-            </a:r>
+              <a:t>1 down regulated pathway at FDR = 0.12</a:t>
+            </a:r>
+          </a:p>
+          <a:p>
+            <a:pPr lvl="1"/>
             <a:r>
               <a:rPr lang="en-US" dirty="0"/>
-              <a:t>down regulated </a:t>
-            </a:r>
-            <a:r>
-              <a:rPr lang="en-US" dirty="0" smtClean="0"/>
-              <a:t>pathway </a:t>
-            </a:r>
-            <a:r>
-              <a:rPr lang="en-US" dirty="0"/>
-              <a:t>at FDR </a:t>
-            </a:r>
-            <a:r>
-              <a:rPr lang="en-US" dirty="0" smtClean="0"/>
-              <a:t>= 0.12</a:t>
-            </a:r>
-            <a:endParaRPr lang="en-US" dirty="0"/>
-          </a:p>
-          <a:p>
-            <a:pPr lvl="1"/>
-            <a:r>
-              <a:rPr lang="en-US" dirty="0" smtClean="0"/>
               <a:t>Complement and coagulation cases (local FDR=0.13)</a:t>
             </a:r>
-            <a:endParaRPr lang="en-US" dirty="0"/>
           </a:p>
         </p:txBody>
       </p:sp>
@@ -6370,17 +5400,10 @@
   <p:clrMapOvr>
     <a:masterClrMapping/>
   </p:clrMapOvr>
-  <p:timing>
-    <p:tnLst>
-      <p:par>
-        <p:cTn id="1" dur="indefinite" restart="never" nodeType="tmRoot"/>
-      </p:par>
-    </p:tnLst>
-  </p:timing>
 </p:sld>
 </file>
 
-<file path=ppt/slides/slide24.xml><?xml version="1.0" encoding="utf-8"?>
+<file path=ppt/slides/slide22.xml><?xml version="1.0" encoding="utf-8"?>
 <p:sld xmlns:a="http://schemas.openxmlformats.org/drawingml/2006/main" xmlns:r="http://schemas.openxmlformats.org/officeDocument/2006/relationships" xmlns:p="http://schemas.openxmlformats.org/presentationml/2006/main">
   <p:cSld>
     <p:spTree>
@@ -6420,10 +5443,9 @@
           <a:lstStyle/>
           <a:p>
             <a:r>
-              <a:rPr lang="en-US" sz="3600" dirty="0" smtClean="0"/>
+              <a:rPr lang="en-US" sz="3600" dirty="0"/>
               <a:t>Files in Box folder</a:t>
             </a:r>
-            <a:endParaRPr lang="en-US" sz="3600" dirty="0"/>
           </a:p>
         </p:txBody>
       </p:sp>
@@ -6464,7 +5486,7 @@
             <a:pPr marL="0" indent="0">
               <a:buNone/>
             </a:pPr>
-            <a:endParaRPr lang="en-US" dirty="0" smtClean="0"/>
+            <a:endParaRPr lang="en-US" dirty="0"/>
           </a:p>
           <a:p>
             <a:endParaRPr lang="en-US" dirty="0"/>
@@ -6499,12 +5521,8 @@
           </a:p>
           <a:p>
             <a:r>
-              <a:rPr lang="en-US" sz="2000" dirty="0" smtClean="0"/>
-              <a:t>R </a:t>
-            </a:r>
-            <a:r>
               <a:rPr lang="en-US" sz="2000" dirty="0"/>
-              <a:t>code</a:t>
+              <a:t>R code</a:t>
             </a:r>
           </a:p>
           <a:p>
@@ -6524,52 +5542,33 @@
             <a:pPr lvl="1"/>
             <a:r>
               <a:rPr lang="en-US" sz="1600" dirty="0"/>
-              <a:t>sample </a:t>
-            </a:r>
-            <a:r>
-              <a:rPr lang="en-US" sz="1600" dirty="0" smtClean="0"/>
-              <a:t>manifest</a:t>
-            </a:r>
-            <a:endParaRPr lang="en-US" sz="1600" dirty="0"/>
-          </a:p>
-          <a:p>
-            <a:r>
-              <a:rPr lang="en-US" sz="2000" dirty="0" smtClean="0"/>
-              <a:t>Reports </a:t>
-            </a:r>
+              <a:t>sample manifest</a:t>
+            </a:r>
+          </a:p>
+          <a:p>
             <a:r>
               <a:rPr lang="en-US" sz="2000" dirty="0"/>
-              <a:t>&amp; </a:t>
-            </a:r>
-            <a:r>
-              <a:rPr lang="en-US" sz="2000" dirty="0" smtClean="0"/>
-              <a:t>Results</a:t>
+              <a:t>Reports &amp; Results</a:t>
             </a:r>
           </a:p>
           <a:p>
             <a:pPr marL="0" lvl="1"/>
             <a:r>
               <a:rPr lang="en-US" sz="1600" dirty="0"/>
-              <a:t>  </a:t>
-            </a:r>
-            <a:r>
-              <a:rPr lang="en-US" sz="1600" dirty="0" smtClean="0"/>
-              <a:t>       Results</a:t>
-            </a:r>
-            <a:endParaRPr lang="en-US" sz="1600" dirty="0"/>
+              <a:t>         Results</a:t>
+            </a:r>
           </a:p>
           <a:p>
             <a:pPr lvl="1"/>
             <a:r>
-              <a:rPr lang="en-US" sz="1600" dirty="0" smtClean="0"/>
+              <a:rPr lang="en-US" sz="1600" dirty="0"/>
               <a:t>QAQC</a:t>
             </a:r>
-            <a:endParaRPr lang="en-US" sz="1600" dirty="0"/>
           </a:p>
           <a:p>
             <a:pPr lvl="1"/>
             <a:r>
-              <a:rPr lang="en-US" sz="1600" dirty="0" smtClean="0"/>
+              <a:rPr lang="en-US" sz="1600" dirty="0"/>
               <a:t>Differential Expression</a:t>
             </a:r>
           </a:p>
@@ -6577,13 +5576,8 @@
             <a:pPr lvl="1"/>
             <a:r>
               <a:rPr lang="en-US" sz="1600" dirty="0"/>
-              <a:t>	</a:t>
-            </a:r>
-            <a:r>
-              <a:rPr lang="en-US" sz="1600" dirty="0" smtClean="0"/>
-              <a:t>Plots</a:t>
-            </a:r>
-            <a:endParaRPr lang="en-US" sz="1600" dirty="0"/>
+              <a:t>	Plots</a:t>
+            </a:r>
           </a:p>
           <a:p>
             <a:pPr lvl="3"/>
@@ -6609,10 +5603,10 @@
           <a:p>
             <a:pPr lvl="3"/>
             <a:r>
-              <a:rPr lang="en-US" sz="1400" dirty="0" err="1" smtClean="0"/>
+              <a:rPr lang="en-US" sz="1400" dirty="0" err="1"/>
               <a:t>Heatmap</a:t>
             </a:r>
-            <a:endParaRPr lang="en-US" sz="1400" dirty="0" smtClean="0"/>
+            <a:endParaRPr lang="en-US" sz="1400" dirty="0"/>
           </a:p>
         </p:txBody>
       </p:sp>
@@ -6626,17 +5620,10 @@
   <p:clrMapOvr>
     <a:masterClrMapping/>
   </p:clrMapOvr>
-  <p:timing>
-    <p:tnLst>
-      <p:par>
-        <p:cTn id="1" dur="indefinite" restart="never" nodeType="tmRoot"/>
-      </p:par>
-    </p:tnLst>
-  </p:timing>
 </p:sld>
 </file>
 
-<file path=ppt/slides/slide25.xml><?xml version="1.0" encoding="utf-8"?>
+<file path=ppt/slides/slide23.xml><?xml version="1.0" encoding="utf-8"?>
 <p:sld xmlns:a="http://schemas.openxmlformats.org/drawingml/2006/main" xmlns:r="http://schemas.openxmlformats.org/officeDocument/2006/relationships" xmlns:p="http://schemas.openxmlformats.org/presentationml/2006/main">
   <p:cSld>
     <p:spTree>
@@ -6669,10 +5656,9 @@
           <a:lstStyle/>
           <a:p>
             <a:r>
-              <a:rPr lang="en-US" dirty="0" smtClean="0"/>
+              <a:rPr lang="en-US" dirty="0"/>
               <a:t>References</a:t>
             </a:r>
-            <a:endParaRPr lang="en-US" dirty="0"/>
           </a:p>
         </p:txBody>
       </p:sp>
@@ -7066,10 +6052,9 @@
               <a:t>10.1093/bioinformatics/bty895</a:t>
             </a:r>
             <a:r>
-              <a:rPr lang="en-US" sz="1200" dirty="0" smtClean="0"/>
+              <a:rPr lang="en-US" sz="1200" dirty="0"/>
               <a:t>.</a:t>
             </a:r>
-            <a:endParaRPr lang="en-US" sz="1200" dirty="0"/>
           </a:p>
         </p:txBody>
       </p:sp>
@@ -7083,13 +6068,6 @@
   <p:clrMapOvr>
     <a:masterClrMapping/>
   </p:clrMapOvr>
-  <p:timing>
-    <p:tnLst>
-      <p:par>
-        <p:cTn id="1" dur="indefinite" restart="never" nodeType="tmRoot"/>
-      </p:par>
-    </p:tnLst>
-  </p:timing>
 </p:sld>
 </file>
 
@@ -7181,33 +6159,25 @@
               <a:buNone/>
             </a:pPr>
             <a:r>
-              <a:rPr lang="en-US" sz="2400" dirty="0" smtClean="0"/>
+              <a:rPr lang="en-US" sz="2400" dirty="0"/>
               <a:t>Mean Quality Scores</a:t>
             </a:r>
           </a:p>
           <a:p>
             <a:r>
-              <a:rPr lang="en-US" sz="2400" dirty="0" smtClean="0"/>
-              <a:t>Data </a:t>
-            </a:r>
-            <a:r>
               <a:rPr lang="en-US" sz="2400" dirty="0"/>
-              <a:t>yields were </a:t>
-            </a:r>
-            <a:r>
-              <a:rPr lang="en-US" sz="2400" dirty="0" smtClean="0"/>
-              <a:t>between 93-1342M reads/samples</a:t>
-            </a:r>
-          </a:p>
-          <a:p>
-            <a:r>
-              <a:rPr lang="en-US" sz="2400" dirty="0" smtClean="0"/>
+              <a:t>Data yields were between 93-1342M reads/samples</a:t>
+            </a:r>
+          </a:p>
+          <a:p>
+            <a:r>
+              <a:rPr lang="en-US" sz="2400" dirty="0"/>
               <a:t>Samples sequenced last year were very deeply sequenced</a:t>
             </a:r>
           </a:p>
           <a:p>
             <a:r>
-              <a:rPr lang="en-US" sz="2400" dirty="0" smtClean="0"/>
+              <a:rPr lang="en-US" sz="2400" dirty="0"/>
               <a:t>This did not improve the length and did not ultimately affect comparisons between libraries</a:t>
             </a:r>
           </a:p>
@@ -7222,38 +6192,18 @@
               <a:buNone/>
             </a:pPr>
             <a:r>
-              <a:rPr lang="en-US" sz="2400" dirty="0" err="1" smtClean="0"/>
+              <a:rPr lang="en-US" sz="2400" dirty="0" err="1"/>
               <a:t>FastQ</a:t>
             </a:r>
             <a:r>
-              <a:rPr lang="en-US" sz="2400" dirty="0" smtClean="0"/>
+              <a:rPr lang="en-US" sz="2400" dirty="0"/>
               <a:t> Screen</a:t>
             </a:r>
           </a:p>
           <a:p>
             <a:r>
               <a:rPr lang="en-US" sz="2400" dirty="0"/>
-              <a:t>D</a:t>
-            </a:r>
-            <a:r>
-              <a:rPr lang="en-US" sz="2400" dirty="0" smtClean="0"/>
-              <a:t>ata </a:t>
-            </a:r>
-            <a:r>
-              <a:rPr lang="en-US" sz="2400" dirty="0"/>
-              <a:t>appear to be from </a:t>
-            </a:r>
-            <a:r>
-              <a:rPr lang="en-US" sz="2400" dirty="0" smtClean="0"/>
-              <a:t>mice </a:t>
-            </a:r>
-            <a:r>
-              <a:rPr lang="en-US" sz="2400" dirty="0"/>
-              <a:t>(good</a:t>
-            </a:r>
-            <a:r>
-              <a:rPr lang="en-US" sz="2400" dirty="0" smtClean="0"/>
-              <a:t>!)</a:t>
+              <a:t>Data appear to be from mice (good!)</a:t>
             </a:r>
           </a:p>
           <a:p>
@@ -7340,13 +6290,6 @@
   <p:clrMapOvr>
     <a:masterClrMapping/>
   </p:clrMapOvr>
-  <p:timing>
-    <p:tnLst>
-      <p:par>
-        <p:cTn id="1" dur="indefinite" restart="never" nodeType="tmRoot"/>
-      </p:par>
-    </p:tnLst>
-  </p:timing>
 </p:sld>
 </file>
 
@@ -7485,13 +6428,6 @@
   <p:clrMapOvr>
     <a:masterClrMapping/>
   </p:clrMapOvr>
-  <p:timing>
-    <p:tnLst>
-      <p:par>
-        <p:cTn id="1" dur="indefinite" restart="never" nodeType="tmRoot"/>
-      </p:par>
-    </p:tnLst>
-  </p:timing>
 </p:sld>
 </file>
 
@@ -7587,19 +6523,14 @@
           <a:p>
             <a:r>
               <a:rPr lang="en-US" dirty="0"/>
-              <a:t>The resulting raw counts file was then used for differential expression and pathway analyses</a:t>
-            </a:r>
-            <a:r>
-              <a:rPr lang="en-US" dirty="0" smtClean="0"/>
-              <a:t>.</a:t>
-            </a:r>
-          </a:p>
-          <a:p>
-            <a:r>
-              <a:rPr lang="en-US" dirty="0" smtClean="0"/>
+              <a:t>The resulting raw counts file was then used for differential expression and pathway analyses.</a:t>
+            </a:r>
+          </a:p>
+          <a:p>
+            <a:r>
+              <a:rPr lang="en-US" dirty="0"/>
               <a:t>See our Methods section for a publication-friendly format of our workflow</a:t>
             </a:r>
-            <a:endParaRPr lang="en-US" dirty="0"/>
           </a:p>
         </p:txBody>
       </p:sp>
@@ -7613,13 +6544,6 @@
   <p:clrMapOvr>
     <a:masterClrMapping/>
   </p:clrMapOvr>
-  <p:timing>
-    <p:tnLst>
-      <p:par>
-        <p:cTn id="1" dur="indefinite" restart="never" nodeType="tmRoot"/>
-      </p:par>
-    </p:tnLst>
-  </p:timing>
 </p:sld>
 </file>
 
@@ -7691,7 +6615,7 @@
               <a:buChar char="•"/>
             </a:pPr>
             <a:r>
-              <a:rPr lang="en-US" sz="2800" dirty="0" smtClean="0"/>
+              <a:rPr lang="en-US" sz="2800" dirty="0"/>
               <a:t>9 samples from NP-specific mice</a:t>
             </a:r>
           </a:p>
@@ -7701,10 +6625,9 @@
               <a:buChar char="•"/>
             </a:pPr>
             <a:r>
-              <a:rPr lang="en-US" sz="2800" dirty="0" smtClean="0"/>
+              <a:rPr lang="en-US" sz="2800" dirty="0"/>
               <a:t>Samples were run in 2 batches</a:t>
             </a:r>
-            <a:endParaRPr lang="en-US" sz="2800" dirty="0"/>
           </a:p>
           <a:p>
             <a:pPr marL="285750" indent="-285750">
@@ -7713,19 +6636,7 @@
             </a:pPr>
             <a:r>
               <a:rPr lang="en-US" sz="2800" dirty="0"/>
-              <a:t>3</a:t>
-            </a:r>
-            <a:r>
-              <a:rPr lang="en-US" sz="2800" dirty="0" smtClean="0"/>
-              <a:t> </a:t>
-            </a:r>
-            <a:r>
-              <a:rPr lang="en-US" sz="2800" dirty="0"/>
-              <a:t>comparison </a:t>
-            </a:r>
-            <a:r>
-              <a:rPr lang="en-US" sz="2800" dirty="0" smtClean="0"/>
-              <a:t>groups</a:t>
+              <a:t>3 comparison groups</a:t>
             </a:r>
             <a:endParaRPr lang="en-US" dirty="0"/>
           </a:p>
@@ -7735,7 +6646,7 @@
               <a:buChar char="•"/>
             </a:pPr>
             <a:r>
-              <a:rPr lang="en-US" sz="2800" dirty="0" smtClean="0"/>
+              <a:rPr lang="en-US" sz="2800" dirty="0"/>
               <a:t>3 Concentration B (1x10^6) vs 3 Concentration A (0)</a:t>
             </a:r>
           </a:p>
@@ -7745,32 +6656,8 @@
               <a:buChar char="•"/>
             </a:pPr>
             <a:r>
-              <a:rPr lang="en-US" sz="2800" dirty="0" smtClean="0"/>
-              <a:t>3 Concentration C </a:t>
-            </a:r>
-            <a:r>
               <a:rPr lang="en-US" sz="2800" dirty="0"/>
-              <a:t>(</a:t>
-            </a:r>
-            <a:r>
-              <a:rPr lang="en-US" sz="2800" dirty="0" smtClean="0"/>
-              <a:t>1x10^9) </a:t>
-            </a:r>
-            <a:r>
-              <a:rPr lang="en-US" sz="2800" dirty="0"/>
-              <a:t>vs </a:t>
-            </a:r>
-            <a:r>
-              <a:rPr lang="en-US" sz="2800" dirty="0" smtClean="0"/>
-              <a:t>3 Concentration </a:t>
-            </a:r>
-            <a:r>
-              <a:rPr lang="en-US" sz="2800" dirty="0"/>
-              <a:t>A (0</a:t>
-            </a:r>
-            <a:r>
-              <a:rPr lang="en-US" sz="2800" dirty="0" smtClean="0"/>
-              <a:t>)</a:t>
+              <a:t>3 Concentration C (1x10^9) vs 3 Concentration A (0)</a:t>
             </a:r>
           </a:p>
           <a:p>
@@ -7780,14 +6667,10 @@
             </a:pPr>
             <a:r>
               <a:rPr lang="en-US" sz="2800" dirty="0"/>
-              <a:t>3 Concentration C (1x10^9) vs 3 Concentration </a:t>
-            </a:r>
-            <a:r>
-              <a:rPr lang="en-US" sz="2800" dirty="0" smtClean="0"/>
-              <a:t>B </a:t>
-            </a:r>
-            <a:r>
-              <a:rPr lang="en-US" sz="2800" b="1" dirty="0" smtClean="0"/>
+              <a:t>3 Concentration C (1x10^9) vs 3 Concentration B </a:t>
+            </a:r>
+            <a:r>
+              <a:rPr lang="en-US" sz="2800" b="1" dirty="0"/>
               <a:t>(</a:t>
             </a:r>
             <a:r>
@@ -7795,10 +6678,9 @@
               <a:t>1x10^6</a:t>
             </a:r>
             <a:r>
-              <a:rPr lang="en-US" sz="2800" b="1" dirty="0" smtClean="0"/>
+              <a:rPr lang="en-US" sz="2800" b="1" dirty="0"/>
               <a:t>)</a:t>
             </a:r>
-            <a:endParaRPr lang="en-US" sz="2800" b="1" dirty="0"/>
           </a:p>
           <a:p>
             <a:pPr lvl="1"/>
@@ -7809,7 +6691,7 @@
               <a:buFont typeface="Arial" panose="020B0604020202020204" pitchFamily="34" charset="0"/>
               <a:buChar char="•"/>
             </a:pPr>
-            <a:endParaRPr lang="en-US" sz="2800" dirty="0" smtClean="0"/>
+            <a:endParaRPr lang="en-US" sz="2800" dirty="0"/>
           </a:p>
           <a:p>
             <a:pPr marL="742950" lvl="1" indent="-285750">
@@ -7830,13 +6712,6 @@
   <p:clrMapOvr>
     <a:masterClrMapping/>
   </p:clrMapOvr>
-  <p:timing>
-    <p:tnLst>
-      <p:par>
-        <p:cTn id="1" dur="indefinite" restart="never" nodeType="tmRoot"/>
-      </p:par>
-    </p:tnLst>
-  </p:timing>
 </p:sld>
 </file>
 
@@ -7882,10 +6757,6 @@
             <a:r>
               <a:rPr lang="en-US" sz="3600" dirty="0"/>
               <a:t>Hypothesis:</a:t>
-            </a:r>
-            <a:r>
-              <a:rPr lang="en-US" dirty="0"/>
-              <a:t/>
             </a:r>
             <a:br>
               <a:rPr lang="en-US" dirty="0"/>
@@ -8089,13 +6960,6 @@
   <p:clrMapOvr>
     <a:masterClrMapping/>
   </p:clrMapOvr>
-  <p:timing>
-    <p:tnLst>
-      <p:par>
-        <p:cTn id="1" dur="indefinite" restart="never" nodeType="tmRoot"/>
-      </p:par>
-    </p:tnLst>
-  </p:timing>
 </p:sld>
 </file>
 
@@ -8140,13 +7004,8 @@
           <a:p>
             <a:r>
               <a:rPr lang="en-US" sz="3200" dirty="0"/>
-              <a:t>PCA plots by </a:t>
-            </a:r>
-            <a:r>
-              <a:rPr lang="en-US" sz="3200" dirty="0" smtClean="0"/>
-              <a:t>Batch and Dose Group</a:t>
-            </a:r>
-            <a:endParaRPr lang="en-US" sz="3200" dirty="0"/>
+              <a:t>PCA plots by Batch and Dose Group</a:t>
+            </a:r>
           </a:p>
         </p:txBody>
       </p:sp>
@@ -8174,63 +7033,45 @@
           <a:p>
             <a:pPr marL="742950" lvl="1" indent="-285750"/>
             <a:r>
-              <a:rPr lang="en-US" sz="2000" dirty="0" smtClean="0"/>
-              <a:t>60% </a:t>
-            </a:r>
-            <a:r>
               <a:rPr lang="en-US" sz="2000" dirty="0"/>
-              <a:t>of the differences between these samples is due to </a:t>
-            </a:r>
-            <a:r>
-              <a:rPr lang="en-US" sz="2000" dirty="0" smtClean="0"/>
-              <a:t>them having either concentration A (0) B, (1x10</a:t>
-            </a:r>
-            <a:r>
-              <a:rPr lang="en-US" sz="2000" baseline="30000" dirty="0" smtClean="0"/>
+              <a:t>60% of the differences between these samples is due to them having either concentration A (0) B, (1x10</a:t>
+            </a:r>
+            <a:r>
+              <a:rPr lang="en-US" sz="2000" baseline="30000" dirty="0"/>
               <a:t>6</a:t>
             </a:r>
             <a:r>
-              <a:rPr lang="en-US" sz="2000" dirty="0" smtClean="0"/>
+              <a:rPr lang="en-US" sz="2000" dirty="0"/>
               <a:t>) or C (1x10</a:t>
             </a:r>
             <a:r>
-              <a:rPr lang="en-US" sz="2000" baseline="30000" dirty="0" smtClean="0"/>
+              <a:rPr lang="en-US" sz="2000" baseline="30000" dirty="0"/>
               <a:t>9</a:t>
             </a:r>
             <a:r>
-              <a:rPr lang="en-US" sz="2000" dirty="0" smtClean="0"/>
+              <a:rPr lang="en-US" sz="2000" dirty="0"/>
               <a:t>)</a:t>
             </a:r>
           </a:p>
           <a:p>
             <a:pPr marL="742950" lvl="1" indent="-285750"/>
             <a:r>
-              <a:rPr lang="en-US" sz="2000" dirty="0" smtClean="0"/>
+              <a:rPr lang="en-US" sz="2000" dirty="0"/>
               <a:t>Second most important variable in determining differences in gene expression was Batch in which the samples were run, those 3 samples run in Batch 1 cluster similarly by concentration but differently from Batch 2</a:t>
             </a:r>
-            <a:endParaRPr lang="en-US" sz="2000" dirty="0"/>
           </a:p>
           <a:p>
             <a:pPr marL="742950" lvl="1" indent="-285750"/>
             <a:r>
               <a:rPr lang="en-US" sz="2000" dirty="0"/>
-              <a:t>Suggests that we will be able to identify statistically significant differences between the samples if they </a:t>
-            </a:r>
-            <a:r>
-              <a:rPr lang="en-US" sz="2000" dirty="0" smtClean="0"/>
-              <a:t>exist between these groups but that much of the difference could also be due to being run in 2 batches</a:t>
-            </a:r>
-            <a:endParaRPr lang="en-US" sz="2000" dirty="0"/>
+              <a:t>Suggests that we will be able to identify statistically significant differences between the samples if they exist between these groups but that much of the difference could also be due to being run in 2 batches</a:t>
+            </a:r>
           </a:p>
           <a:p>
             <a:pPr marL="742950" lvl="1" indent="-285750"/>
             <a:r>
               <a:rPr lang="en-US" sz="2000" dirty="0"/>
-              <a:t>Since </a:t>
-            </a:r>
-            <a:r>
-              <a:rPr lang="en-US" sz="2000" dirty="0" smtClean="0"/>
-              <a:t>within-group variance was smaller than between-group variance, we have performed a likelihood ratio test for comparisons of multiple groups</a:t>
+              <a:t>Since within-group variance was smaller than between-group variance, we have performed a likelihood ratio test for comparisons of multiple groups</a:t>
             </a:r>
             <a:endParaRPr lang="en-US" dirty="0"/>
           </a:p>
@@ -8304,13 +7145,6 @@
   <p:clrMapOvr>
     <a:masterClrMapping/>
   </p:clrMapOvr>
-  <p:timing>
-    <p:tnLst>
-      <p:par>
-        <p:cTn id="1" dur="indefinite" restart="never" nodeType="tmRoot"/>
-      </p:par>
-    </p:tnLst>
-  </p:timing>
 </p:sld>
 </file>
 
